--- a/paper/graph/Fig1/Fig1.pptx
+++ b/paper/graph/Fig1/Fig1.pptx
@@ -107,6 +107,11 @@
       </a:defRPr>
     </a:lvl9pPr>
   </p:defaultTextStyle>
+  <p:extLst>
+    <p:ext uri="{EFAFB233-063F-42B5-8137-9DF3F51BA10A}">
+      <p15:sldGuideLst xmlns:p15="http://schemas.microsoft.com/office/powerpoint/2012/main"/>
+    </p:ext>
+  </p:extLst>
 </p:presentation>
 </file>
 
@@ -192,7 +197,7 @@
           <a:p>
             <a:fld id="{3301C059-DFA9-864D-BEF9-C83E5073A066}" type="datetimeFigureOut">
               <a:rPr kumimoji="1" lang="zh-CN" altLang="en-US" smtClean="0"/>
-              <a:t>2023/8/29</a:t>
+              <a:t>2023/9/10</a:t>
             </a:fld>
             <a:endParaRPr kumimoji="1" lang="zh-CN" altLang="en-US"/>
           </a:p>
@@ -697,7 +702,7 @@
           <a:p>
             <a:fld id="{B7E8D503-367C-CB41-98CC-29D505D76453}" type="datetimeFigureOut">
               <a:rPr kumimoji="1" lang="zh-CN" altLang="en-US" smtClean="0"/>
-              <a:t>2023/8/29</a:t>
+              <a:t>2023/9/10</a:t>
             </a:fld>
             <a:endParaRPr kumimoji="1" lang="zh-CN" altLang="en-US"/>
           </a:p>
@@ -895,7 +900,7 @@
           <a:p>
             <a:fld id="{B7E8D503-367C-CB41-98CC-29D505D76453}" type="datetimeFigureOut">
               <a:rPr kumimoji="1" lang="zh-CN" altLang="en-US" smtClean="0"/>
-              <a:t>2023/8/29</a:t>
+              <a:t>2023/9/10</a:t>
             </a:fld>
             <a:endParaRPr kumimoji="1" lang="zh-CN" altLang="en-US"/>
           </a:p>
@@ -1103,7 +1108,7 @@
           <a:p>
             <a:fld id="{B7E8D503-367C-CB41-98CC-29D505D76453}" type="datetimeFigureOut">
               <a:rPr kumimoji="1" lang="zh-CN" altLang="en-US" smtClean="0"/>
-              <a:t>2023/8/29</a:t>
+              <a:t>2023/9/10</a:t>
             </a:fld>
             <a:endParaRPr kumimoji="1" lang="zh-CN" altLang="en-US"/>
           </a:p>
@@ -1301,7 +1306,7 @@
           <a:p>
             <a:fld id="{B7E8D503-367C-CB41-98CC-29D505D76453}" type="datetimeFigureOut">
               <a:rPr kumimoji="1" lang="zh-CN" altLang="en-US" smtClean="0"/>
-              <a:t>2023/8/29</a:t>
+              <a:t>2023/9/10</a:t>
             </a:fld>
             <a:endParaRPr kumimoji="1" lang="zh-CN" altLang="en-US"/>
           </a:p>
@@ -1576,7 +1581,7 @@
           <a:p>
             <a:fld id="{B7E8D503-367C-CB41-98CC-29D505D76453}" type="datetimeFigureOut">
               <a:rPr kumimoji="1" lang="zh-CN" altLang="en-US" smtClean="0"/>
-              <a:t>2023/8/29</a:t>
+              <a:t>2023/9/10</a:t>
             </a:fld>
             <a:endParaRPr kumimoji="1" lang="zh-CN" altLang="en-US"/>
           </a:p>
@@ -1841,7 +1846,7 @@
           <a:p>
             <a:fld id="{B7E8D503-367C-CB41-98CC-29D505D76453}" type="datetimeFigureOut">
               <a:rPr kumimoji="1" lang="zh-CN" altLang="en-US" smtClean="0"/>
-              <a:t>2023/8/29</a:t>
+              <a:t>2023/9/10</a:t>
             </a:fld>
             <a:endParaRPr kumimoji="1" lang="zh-CN" altLang="en-US"/>
           </a:p>
@@ -2253,7 +2258,7 @@
           <a:p>
             <a:fld id="{B7E8D503-367C-CB41-98CC-29D505D76453}" type="datetimeFigureOut">
               <a:rPr kumimoji="1" lang="zh-CN" altLang="en-US" smtClean="0"/>
-              <a:t>2023/8/29</a:t>
+              <a:t>2023/9/10</a:t>
             </a:fld>
             <a:endParaRPr kumimoji="1" lang="zh-CN" altLang="en-US"/>
           </a:p>
@@ -2394,7 +2399,7 @@
           <a:p>
             <a:fld id="{B7E8D503-367C-CB41-98CC-29D505D76453}" type="datetimeFigureOut">
               <a:rPr kumimoji="1" lang="zh-CN" altLang="en-US" smtClean="0"/>
-              <a:t>2023/8/29</a:t>
+              <a:t>2023/9/10</a:t>
             </a:fld>
             <a:endParaRPr kumimoji="1" lang="zh-CN" altLang="en-US"/>
           </a:p>
@@ -2507,7 +2512,7 @@
           <a:p>
             <a:fld id="{B7E8D503-367C-CB41-98CC-29D505D76453}" type="datetimeFigureOut">
               <a:rPr kumimoji="1" lang="zh-CN" altLang="en-US" smtClean="0"/>
-              <a:t>2023/8/29</a:t>
+              <a:t>2023/9/10</a:t>
             </a:fld>
             <a:endParaRPr kumimoji="1" lang="zh-CN" altLang="en-US"/>
           </a:p>
@@ -2818,7 +2823,7 @@
           <a:p>
             <a:fld id="{B7E8D503-367C-CB41-98CC-29D505D76453}" type="datetimeFigureOut">
               <a:rPr kumimoji="1" lang="zh-CN" altLang="en-US" smtClean="0"/>
-              <a:t>2023/8/29</a:t>
+              <a:t>2023/9/10</a:t>
             </a:fld>
             <a:endParaRPr kumimoji="1" lang="zh-CN" altLang="en-US"/>
           </a:p>
@@ -3106,7 +3111,7 @@
           <a:p>
             <a:fld id="{B7E8D503-367C-CB41-98CC-29D505D76453}" type="datetimeFigureOut">
               <a:rPr kumimoji="1" lang="zh-CN" altLang="en-US" smtClean="0"/>
-              <a:t>2023/8/29</a:t>
+              <a:t>2023/9/10</a:t>
             </a:fld>
             <a:endParaRPr kumimoji="1" lang="zh-CN" altLang="en-US"/>
           </a:p>
@@ -3347,7 +3352,7 @@
           <a:p>
             <a:fld id="{B7E8D503-367C-CB41-98CC-29D505D76453}" type="datetimeFigureOut">
               <a:rPr kumimoji="1" lang="zh-CN" altLang="en-US" smtClean="0"/>
-              <a:t>2023/8/29</a:t>
+              <a:t>2023/9/10</a:t>
             </a:fld>
             <a:endParaRPr kumimoji="1" lang="zh-CN" altLang="en-US"/>
           </a:p>
@@ -3780,10 +3785,10 @@
         </p:nvGrpSpPr>
         <p:grpSpPr>
           <a:xfrm>
-            <a:off x="3320728" y="2926309"/>
-            <a:ext cx="1627098" cy="1620000"/>
-            <a:chOff x="1035028" y="1039906"/>
-            <a:chExt cx="2202575" cy="2238935"/>
+            <a:off x="3284457" y="2926309"/>
+            <a:ext cx="1663293" cy="1620000"/>
+            <a:chOff x="985929" y="1039906"/>
+            <a:chExt cx="2251571" cy="2238935"/>
           </a:xfrm>
         </p:grpSpPr>
         <p:grpSp>
@@ -3852,7 +3857,10 @@
               <a:lstStyle/>
               <a:p>
                 <a:pPr algn="ctr"/>
-                <a:endParaRPr kumimoji="1" lang="zh-CN" altLang="en-US"/>
+                <a:endParaRPr kumimoji="1" lang="zh-CN" altLang="en-US">
+                  <a:latin typeface="Times New Roman" panose="02020603050405020304" pitchFamily="18" charset="0"/>
+                  <a:cs typeface="Times New Roman" panose="02020603050405020304" pitchFamily="18" charset="0"/>
+                </a:endParaRPr>
               </a:p>
             </p:txBody>
           </p:sp>
@@ -3899,7 +3907,10 @@
               <a:lstStyle/>
               <a:p>
                 <a:pPr algn="ctr"/>
-                <a:endParaRPr kumimoji="1" lang="zh-CN" altLang="en-US"/>
+                <a:endParaRPr kumimoji="1" lang="zh-CN" altLang="en-US">
+                  <a:latin typeface="Times New Roman" panose="02020603050405020304" pitchFamily="18" charset="0"/>
+                  <a:cs typeface="Times New Roman" panose="02020603050405020304" pitchFamily="18" charset="0"/>
+                </a:endParaRPr>
               </a:p>
             </p:txBody>
           </p:sp>
@@ -3946,7 +3957,10 @@
               <a:lstStyle/>
               <a:p>
                 <a:pPr algn="ctr"/>
-                <a:endParaRPr kumimoji="1" lang="zh-CN" altLang="en-US"/>
+                <a:endParaRPr kumimoji="1" lang="zh-CN" altLang="en-US">
+                  <a:latin typeface="Times New Roman" panose="02020603050405020304" pitchFamily="18" charset="0"/>
+                  <a:cs typeface="Times New Roman" panose="02020603050405020304" pitchFamily="18" charset="0"/>
+                </a:endParaRPr>
               </a:p>
             </p:txBody>
           </p:sp>
@@ -3993,7 +4007,10 @@
               <a:lstStyle/>
               <a:p>
                 <a:pPr algn="ctr"/>
-                <a:endParaRPr kumimoji="1" lang="zh-CN" altLang="en-US"/>
+                <a:endParaRPr kumimoji="1" lang="zh-CN" altLang="en-US">
+                  <a:latin typeface="Times New Roman" panose="02020603050405020304" pitchFamily="18" charset="0"/>
+                  <a:cs typeface="Times New Roman" panose="02020603050405020304" pitchFamily="18" charset="0"/>
+                </a:endParaRPr>
               </a:p>
             </p:txBody>
           </p:sp>
@@ -4040,7 +4057,10 @@
               <a:lstStyle/>
               <a:p>
                 <a:pPr algn="ctr"/>
-                <a:endParaRPr kumimoji="1" lang="zh-CN" altLang="en-US"/>
+                <a:endParaRPr kumimoji="1" lang="zh-CN" altLang="en-US">
+                  <a:latin typeface="Times New Roman" panose="02020603050405020304" pitchFamily="18" charset="0"/>
+                  <a:cs typeface="Times New Roman" panose="02020603050405020304" pitchFamily="18" charset="0"/>
+                </a:endParaRPr>
               </a:p>
             </p:txBody>
           </p:sp>
@@ -4111,7 +4131,10 @@
               <a:lstStyle/>
               <a:p>
                 <a:pPr algn="ctr"/>
-                <a:endParaRPr kumimoji="1" lang="zh-CN" altLang="en-US"/>
+                <a:endParaRPr kumimoji="1" lang="zh-CN" altLang="en-US">
+                  <a:latin typeface="Times New Roman" panose="02020603050405020304" pitchFamily="18" charset="0"/>
+                  <a:cs typeface="Times New Roman" panose="02020603050405020304" pitchFamily="18" charset="0"/>
+                </a:endParaRPr>
               </a:p>
             </p:txBody>
           </p:sp>
@@ -4158,7 +4181,10 @@
               <a:lstStyle/>
               <a:p>
                 <a:pPr algn="ctr"/>
-                <a:endParaRPr kumimoji="1" lang="zh-CN" altLang="en-US"/>
+                <a:endParaRPr kumimoji="1" lang="zh-CN" altLang="en-US">
+                  <a:latin typeface="Times New Roman" panose="02020603050405020304" pitchFamily="18" charset="0"/>
+                  <a:cs typeface="Times New Roman" panose="02020603050405020304" pitchFamily="18" charset="0"/>
+                </a:endParaRPr>
               </a:p>
             </p:txBody>
           </p:sp>
@@ -4205,7 +4231,10 @@
               <a:lstStyle/>
               <a:p>
                 <a:pPr algn="ctr"/>
-                <a:endParaRPr kumimoji="1" lang="zh-CN" altLang="en-US"/>
+                <a:endParaRPr kumimoji="1" lang="zh-CN" altLang="en-US">
+                  <a:latin typeface="Times New Roman" panose="02020603050405020304" pitchFamily="18" charset="0"/>
+                  <a:cs typeface="Times New Roman" panose="02020603050405020304" pitchFamily="18" charset="0"/>
+                </a:endParaRPr>
               </a:p>
             </p:txBody>
           </p:sp>
@@ -4252,7 +4281,10 @@
               <a:lstStyle/>
               <a:p>
                 <a:pPr algn="ctr"/>
-                <a:endParaRPr kumimoji="1" lang="zh-CN" altLang="en-US"/>
+                <a:endParaRPr kumimoji="1" lang="zh-CN" altLang="en-US">
+                  <a:latin typeface="Times New Roman" panose="02020603050405020304" pitchFamily="18" charset="0"/>
+                  <a:cs typeface="Times New Roman" panose="02020603050405020304" pitchFamily="18" charset="0"/>
+                </a:endParaRPr>
               </a:p>
             </p:txBody>
           </p:sp>
@@ -5195,8 +5227,8 @@
           </p:nvSpPr>
           <p:spPr>
             <a:xfrm>
-              <a:off x="1035028" y="2512980"/>
-              <a:ext cx="469145" cy="510438"/>
+              <a:off x="985929" y="2353927"/>
+              <a:ext cx="562452" cy="510438"/>
             </a:xfrm>
             <a:prstGeom prst="rect">
               <a:avLst/>
@@ -5211,10 +5243,16 @@
             <a:p>
               <a:pPr algn="ctr"/>
               <a:r>
-                <a:rPr kumimoji="1" lang="en-US" altLang="zh-CN" dirty="0"/>
+                <a:rPr kumimoji="1" lang="en-US" altLang="zh-CN" dirty="0">
+                  <a:latin typeface="Times New Roman" panose="02020603050405020304" pitchFamily="18" charset="0"/>
+                  <a:cs typeface="Times New Roman" panose="02020603050405020304" pitchFamily="18" charset="0"/>
+                </a:rPr>
                 <a:t>…</a:t>
               </a:r>
-              <a:endParaRPr kumimoji="1" lang="zh-CN" altLang="en-US" dirty="0"/>
+              <a:endParaRPr kumimoji="1" lang="zh-CN" altLang="en-US" dirty="0">
+                <a:latin typeface="Times New Roman" panose="02020603050405020304" pitchFamily="18" charset="0"/>
+                <a:cs typeface="Times New Roman" panose="02020603050405020304" pitchFamily="18" charset="0"/>
+              </a:endParaRPr>
             </a:p>
           </p:txBody>
         </p:sp>
@@ -5232,7 +5270,7 @@
           </p:nvSpPr>
           <p:spPr>
             <a:xfrm>
-              <a:off x="2914874" y="2314233"/>
+              <a:off x="2914771" y="2189812"/>
               <a:ext cx="322729" cy="510438"/>
             </a:xfrm>
             <a:prstGeom prst="rect">
@@ -5248,16 +5286,22 @@
             <a:p>
               <a:pPr algn="ctr"/>
               <a:r>
-                <a:rPr kumimoji="1" lang="en-US" altLang="zh-CN" dirty="0"/>
+                <a:rPr kumimoji="1" lang="en-US" altLang="zh-CN" dirty="0">
+                  <a:latin typeface="Times New Roman" panose="02020603050405020304" pitchFamily="18" charset="0"/>
+                  <a:cs typeface="Times New Roman" panose="02020603050405020304" pitchFamily="18" charset="0"/>
+                </a:rPr>
                 <a:t>…</a:t>
               </a:r>
-              <a:endParaRPr kumimoji="1" lang="zh-CN" altLang="en-US" dirty="0"/>
+              <a:endParaRPr kumimoji="1" lang="zh-CN" altLang="en-US" dirty="0">
+                <a:latin typeface="Times New Roman" panose="02020603050405020304" pitchFamily="18" charset="0"/>
+                <a:cs typeface="Times New Roman" panose="02020603050405020304" pitchFamily="18" charset="0"/>
+              </a:endParaRPr>
             </a:p>
           </p:txBody>
         </p:sp>
       </p:grpSp>
-      <mc:AlternateContent xmlns:mc="http://schemas.openxmlformats.org/markup-compatibility/2006" xmlns:a14="http://schemas.microsoft.com/office/drawing/2010/main">
-        <mc:Choice Requires="a14">
+      <mc:AlternateContent xmlns:mc="http://schemas.openxmlformats.org/markup-compatibility/2006">
+        <mc:Choice xmlns:a14="http://schemas.microsoft.com/office/drawing/2010/main" Requires="a14">
           <p:sp>
             <p:nvSpPr>
               <p:cNvPr id="50" name="文本框 49">
@@ -5289,6 +5333,7 @@
                 <a:r>
                   <a:rPr lang="zh-CN" altLang="zh-CN" sz="1000" dirty="0">
                     <a:effectLst/>
+                    <a:latin typeface="Times New Roman" panose="02020603050405020304" pitchFamily="18" charset="0"/>
                     <a:ea typeface="Cambria" panose="02040503050406030204" pitchFamily="18" charset="0"/>
                     <a:cs typeface="Times New Roman" panose="02020603050405020304" pitchFamily="18" charset="0"/>
                   </a:rPr>
@@ -5354,15 +5399,20 @@
                 <a:r>
                   <a:rPr lang="zh-CN" altLang="zh-CN" sz="1000" dirty="0">
                     <a:effectLst/>
+                    <a:latin typeface="Times New Roman" panose="02020603050405020304" pitchFamily="18" charset="0"/>
+                    <a:cs typeface="Times New Roman" panose="02020603050405020304" pitchFamily="18" charset="0"/>
                   </a:rPr>
                   <a:t> </a:t>
                 </a:r>
-                <a:endParaRPr lang="zh-CN" altLang="en-US" sz="1000" dirty="0"/>
+                <a:endParaRPr lang="zh-CN" altLang="en-US" sz="1000" dirty="0">
+                  <a:latin typeface="Times New Roman" panose="02020603050405020304" pitchFamily="18" charset="0"/>
+                  <a:cs typeface="Times New Roman" panose="02020603050405020304" pitchFamily="18" charset="0"/>
+                </a:endParaRPr>
               </a:p>
             </p:txBody>
           </p:sp>
         </mc:Choice>
-        <mc:Fallback xmlns="">
+        <mc:Fallback>
           <p:sp>
             <p:nvSpPr>
               <p:cNvPr id="50" name="文本框 49">
@@ -5448,7 +5498,10 @@
           <a:lstStyle/>
           <a:p>
             <a:pPr algn="ctr"/>
-            <a:endParaRPr kumimoji="1" lang="zh-CN" altLang="en-US"/>
+            <a:endParaRPr kumimoji="1" lang="zh-CN" altLang="en-US">
+              <a:latin typeface="Times New Roman" panose="02020603050405020304" pitchFamily="18" charset="0"/>
+              <a:cs typeface="Times New Roman" panose="02020603050405020304" pitchFamily="18" charset="0"/>
+            </a:endParaRPr>
           </a:p>
         </p:txBody>
       </p:sp>
@@ -5467,7 +5520,7 @@
         <p:spPr>
           <a:xfrm>
             <a:off x="4782334" y="2176428"/>
-            <a:ext cx="434734" cy="418448"/>
+            <a:ext cx="434734" cy="523220"/>
           </a:xfrm>
           <a:prstGeom prst="rect">
             <a:avLst/>
@@ -5481,10 +5534,16 @@
           <a:lstStyle/>
           <a:p>
             <a:r>
-              <a:rPr kumimoji="1" lang="en-US" altLang="zh-CN" sz="2800" b="1" dirty="0"/>
+              <a:rPr kumimoji="1" lang="en-US" altLang="zh-CN" sz="2800" b="1" dirty="0">
+                <a:latin typeface="Times New Roman" panose="02020603050405020304" pitchFamily="18" charset="0"/>
+                <a:cs typeface="Times New Roman" panose="02020603050405020304" pitchFamily="18" charset="0"/>
+              </a:rPr>
               <a:t>+</a:t>
             </a:r>
-            <a:endParaRPr kumimoji="1" lang="zh-CN" altLang="en-US" sz="2800" b="1" dirty="0"/>
+            <a:endParaRPr kumimoji="1" lang="zh-CN" altLang="en-US" sz="2800" b="1" dirty="0">
+              <a:latin typeface="Times New Roman" panose="02020603050405020304" pitchFamily="18" charset="0"/>
+              <a:cs typeface="Times New Roman" panose="02020603050405020304" pitchFamily="18" charset="0"/>
+            </a:endParaRPr>
           </a:p>
         </p:txBody>
       </p:sp>
@@ -5502,7 +5561,7 @@
         </p:nvSpPr>
         <p:spPr>
           <a:xfrm>
-            <a:off x="6104368" y="5168303"/>
+            <a:off x="6104369" y="4834195"/>
             <a:ext cx="1682641" cy="369332"/>
           </a:xfrm>
           <a:prstGeom prst="rect">
@@ -5517,15 +5576,21 @@
           <a:lstStyle/>
           <a:p>
             <a:r>
-              <a:rPr kumimoji="1" lang="en-US" altLang="zh-CN" b="1" dirty="0"/>
-              <a:t>SmoothL1Loss</a:t>
+              <a:rPr kumimoji="1" lang="en-US" altLang="zh-CN" b="1" dirty="0">
+                <a:latin typeface="Times New Roman" panose="02020603050405020304" pitchFamily="18" charset="0"/>
+                <a:cs typeface="Times New Roman" panose="02020603050405020304" pitchFamily="18" charset="0"/>
+              </a:rPr>
+              <a:t>Style Loss</a:t>
             </a:r>
-            <a:endParaRPr kumimoji="1" lang="zh-CN" altLang="en-US" b="1" dirty="0"/>
+            <a:endParaRPr kumimoji="1" lang="zh-CN" altLang="en-US" b="1" dirty="0">
+              <a:latin typeface="Times New Roman" panose="02020603050405020304" pitchFamily="18" charset="0"/>
+              <a:cs typeface="Times New Roman" panose="02020603050405020304" pitchFamily="18" charset="0"/>
+            </a:endParaRPr>
           </a:p>
         </p:txBody>
       </p:sp>
-      <mc:AlternateContent xmlns:mc="http://schemas.openxmlformats.org/markup-compatibility/2006" xmlns:a14="http://schemas.microsoft.com/office/drawing/2010/main">
-        <mc:Choice Requires="a14">
+      <mc:AlternateContent xmlns:mc="http://schemas.openxmlformats.org/markup-compatibility/2006">
+        <mc:Choice xmlns:a14="http://schemas.microsoft.com/office/drawing/2010/main" Requires="a14">
           <p:sp>
             <p:nvSpPr>
               <p:cNvPr id="62" name="文本框 61">
@@ -5541,7 +5606,7 @@
             <p:spPr>
               <a:xfrm>
                 <a:off x="5944432" y="1820826"/>
-                <a:ext cx="735077" cy="251159"/>
+                <a:ext cx="735077" cy="271164"/>
               </a:xfrm>
               <a:prstGeom prst="rect">
                 <a:avLst/>
@@ -5604,13 +5669,13 @@
                       </m:sub>
                       <m:sup>
                         <m:r>
-                          <a:rPr lang="en-US" altLang="zh-CN" sz="1000" i="1">
+                          <a:rPr lang="en-US" altLang="zh-CN" sz="1000" b="0" i="1" smtClean="0">
                             <a:effectLst/>
                             <a:latin typeface="Cambria Math" panose="02040503050406030204" pitchFamily="18" charset="0"/>
                             <a:ea typeface="宋体" panose="02010600030101010101" pitchFamily="2" charset="-122"/>
                             <a:cs typeface="Times New Roman" panose="02020603050405020304" pitchFamily="18" charset="0"/>
                           </a:rPr>
-                          <m:t>𝑠𝑡𝑖𝑚</m:t>
+                          <m:t>𝑝𝑒𝑟𝑏</m:t>
                         </m:r>
                       </m:sup>
                     </m:sSubSup>
@@ -5619,15 +5684,20 @@
                 <a:r>
                   <a:rPr lang="zh-CN" altLang="zh-CN" sz="1000" dirty="0">
                     <a:effectLst/>
+                    <a:latin typeface="Times New Roman" panose="02020603050405020304" pitchFamily="18" charset="0"/>
+                    <a:cs typeface="Times New Roman" panose="02020603050405020304" pitchFamily="18" charset="0"/>
                   </a:rPr>
                   <a:t> </a:t>
                 </a:r>
-                <a:endParaRPr kumimoji="1" lang="zh-CN" altLang="en-US" sz="1000" baseline="-25000" dirty="0"/>
+                <a:endParaRPr kumimoji="1" lang="zh-CN" altLang="en-US" sz="1000" baseline="-25000" dirty="0">
+                  <a:latin typeface="Times New Roman" panose="02020603050405020304" pitchFamily="18" charset="0"/>
+                  <a:cs typeface="Times New Roman" panose="02020603050405020304" pitchFamily="18" charset="0"/>
+                </a:endParaRPr>
               </a:p>
             </p:txBody>
           </p:sp>
         </mc:Choice>
-        <mc:Fallback xmlns="">
+        <mc:Fallback>
           <p:sp>
             <p:nvSpPr>
               <p:cNvPr id="62" name="文本框 61">
@@ -5645,7 +5715,7 @@
             <p:spPr>
               <a:xfrm>
                 <a:off x="5944432" y="1820826"/>
-                <a:ext cx="735077" cy="251159"/>
+                <a:ext cx="735077" cy="271164"/>
               </a:xfrm>
               <a:prstGeom prst="rect">
                 <a:avLst/>
@@ -5771,7 +5841,7 @@
         <p:spPr>
           <a:xfrm>
             <a:off x="9921091" y="3795690"/>
-            <a:ext cx="1374706" cy="307777"/>
+            <a:ext cx="1617332" cy="369332"/>
           </a:xfrm>
           <a:prstGeom prst="rect">
             <a:avLst/>
@@ -5785,59 +5855,140 @@
           <a:lstStyle/>
           <a:p>
             <a:r>
-              <a:rPr kumimoji="1" lang="en-US" altLang="zh-CN" sz="1400" dirty="0"/>
-              <a:t>SmoothL1Loss</a:t>
+              <a:rPr kumimoji="1" lang="en-US" altLang="zh-CN" b="1" dirty="0">
+                <a:latin typeface="Times New Roman" panose="02020603050405020304" pitchFamily="18" charset="0"/>
+                <a:cs typeface="Times New Roman" panose="02020603050405020304" pitchFamily="18" charset="0"/>
+              </a:rPr>
+              <a:t>Generate Loss</a:t>
             </a:r>
-            <a:endParaRPr kumimoji="1" lang="zh-CN" altLang="en-US" sz="1400" dirty="0"/>
+            <a:endParaRPr kumimoji="1" lang="zh-CN" altLang="en-US" b="1" dirty="0">
+              <a:latin typeface="Times New Roman" panose="02020603050405020304" pitchFamily="18" charset="0"/>
+              <a:cs typeface="Times New Roman" panose="02020603050405020304" pitchFamily="18" charset="0"/>
+            </a:endParaRPr>
           </a:p>
         </p:txBody>
       </p:sp>
-      <p:sp>
-        <p:nvSpPr>
-          <p:cNvPr id="61" name="文本框 60">
-            <a:extLst>
-              <a:ext uri="{FF2B5EF4-FFF2-40B4-BE49-F238E27FC236}">
-                <a16:creationId xmlns:a16="http://schemas.microsoft.com/office/drawing/2014/main" id="{A020A2DD-5115-4FCD-4AE1-5B9481B0854A}"/>
-              </a:ext>
-            </a:extLst>
-          </p:cNvPr>
-          <p:cNvSpPr txBox="1"/>
-          <p:nvPr/>
-        </p:nvSpPr>
-        <p:spPr>
-          <a:xfrm>
-            <a:off x="-28155" y="213018"/>
-            <a:ext cx="2299154" cy="369332"/>
-          </a:xfrm>
-          <a:prstGeom prst="rect">
-            <a:avLst/>
-          </a:prstGeom>
-          <a:noFill/>
-        </p:spPr>
-        <p:txBody>
-          <a:bodyPr wrap="square">
-            <a:spAutoFit/>
-          </a:bodyPr>
-          <a:lstStyle/>
-          <a:p>
-            <a:pPr algn="ctr"/>
-            <a:r>
-              <a:rPr kumimoji="1" lang="en-US" altLang="zh-CN" b="1" dirty="0"/>
-              <a:t>Style</a:t>
-            </a:r>
-            <a:r>
-              <a:rPr kumimoji="1" lang="zh-CN" altLang="en-US" b="1" dirty="0"/>
-              <a:t> </a:t>
-            </a:r>
-            <a:r>
-              <a:rPr kumimoji="1" lang="en-US" altLang="zh-CN" b="1" dirty="0"/>
-              <a:t>Vector</a:t>
-            </a:r>
-          </a:p>
-        </p:txBody>
-      </p:sp>
-      <mc:AlternateContent xmlns:mc="http://schemas.openxmlformats.org/markup-compatibility/2006" xmlns:a14="http://schemas.microsoft.com/office/drawing/2010/main">
-        <mc:Choice Requires="a14">
+      <mc:AlternateContent xmlns:mc="http://schemas.openxmlformats.org/markup-compatibility/2006">
+        <mc:Choice xmlns:a14="http://schemas.microsoft.com/office/drawing/2010/main" Requires="a14">
+          <p:sp>
+            <p:nvSpPr>
+              <p:cNvPr id="61" name="文本框 60">
+                <a:extLst>
+                  <a:ext uri="{FF2B5EF4-FFF2-40B4-BE49-F238E27FC236}">
+                    <a16:creationId xmlns:a16="http://schemas.microsoft.com/office/drawing/2014/main" id="{A020A2DD-5115-4FCD-4AE1-5B9481B0854A}"/>
+                  </a:ext>
+                </a:extLst>
+              </p:cNvPr>
+              <p:cNvSpPr txBox="1"/>
+              <p:nvPr/>
+            </p:nvSpPr>
+            <p:spPr>
+              <a:xfrm>
+                <a:off x="-28155" y="213018"/>
+                <a:ext cx="2299154" cy="369332"/>
+              </a:xfrm>
+              <a:prstGeom prst="rect">
+                <a:avLst/>
+              </a:prstGeom>
+              <a:noFill/>
+            </p:spPr>
+            <p:txBody>
+              <a:bodyPr wrap="square">
+                <a:spAutoFit/>
+              </a:bodyPr>
+              <a:lstStyle/>
+              <a:p>
+                <a:pPr algn="ctr"/>
+                <a:r>
+                  <a:rPr kumimoji="1" lang="en-US" altLang="zh-CN" b="1" dirty="0">
+                    <a:latin typeface="Times New Roman" panose="02020603050405020304" pitchFamily="18" charset="0"/>
+                    <a:cs typeface="Times New Roman" panose="02020603050405020304" pitchFamily="18" charset="0"/>
+                  </a:rPr>
+                  <a:t>Style</a:t>
+                </a:r>
+                <a:r>
+                  <a:rPr kumimoji="1" lang="zh-CN" altLang="en-US" b="1" dirty="0">
+                    <a:latin typeface="Times New Roman" panose="02020603050405020304" pitchFamily="18" charset="0"/>
+                    <a:cs typeface="Times New Roman" panose="02020603050405020304" pitchFamily="18" charset="0"/>
+                  </a:rPr>
+                  <a:t> </a:t>
+                </a:r>
+                <a:r>
+                  <a:rPr kumimoji="1" lang="en-US" altLang="zh-CN" b="1" dirty="0">
+                    <a:latin typeface="Times New Roman" panose="02020603050405020304" pitchFamily="18" charset="0"/>
+                    <a:cs typeface="Times New Roman" panose="02020603050405020304" pitchFamily="18" charset="0"/>
+                  </a:rPr>
+                  <a:t>Vector (</a:t>
+                </a:r>
+                <a14:m>
+                  <m:oMath xmlns:m="http://schemas.openxmlformats.org/officeDocument/2006/math">
+                    <m:r>
+                      <a:rPr kumimoji="1" lang="en-US" altLang="zh-CN" b="1" i="1" dirty="0" smtClean="0">
+                        <a:latin typeface="Cambria Math" panose="02040503050406030204" pitchFamily="18" charset="0"/>
+                        <a:cs typeface="Times New Roman" panose="02020603050405020304" pitchFamily="18" charset="0"/>
+                      </a:rPr>
+                      <m:t>𝒔</m:t>
+                    </m:r>
+                  </m:oMath>
+                </a14:m>
+                <a:r>
+                  <a:rPr kumimoji="1" lang="en-US" altLang="zh-CN" b="1" dirty="0">
+                    <a:latin typeface="Times New Roman" panose="02020603050405020304" pitchFamily="18" charset="0"/>
+                    <a:cs typeface="Times New Roman" panose="02020603050405020304" pitchFamily="18" charset="0"/>
+                  </a:rPr>
+                  <a:t>)</a:t>
+                </a:r>
+              </a:p>
+            </p:txBody>
+          </p:sp>
+        </mc:Choice>
+        <mc:Fallback>
+          <p:sp>
+            <p:nvSpPr>
+              <p:cNvPr id="61" name="文本框 60">
+                <a:extLst>
+                  <a:ext uri="{FF2B5EF4-FFF2-40B4-BE49-F238E27FC236}">
+                    <a16:creationId xmlns:a16="http://schemas.microsoft.com/office/drawing/2014/main" id="{A020A2DD-5115-4FCD-4AE1-5B9481B0854A}"/>
+                  </a:ext>
+                </a:extLst>
+              </p:cNvPr>
+              <p:cNvSpPr txBox="1">
+                <a:spLocks noRot="1" noChangeAspect="1" noMove="1" noResize="1" noEditPoints="1" noAdjustHandles="1" noChangeArrowheads="1" noChangeShapeType="1" noTextEdit="1"/>
+              </p:cNvSpPr>
+              <p:nvPr/>
+            </p:nvSpPr>
+            <p:spPr>
+              <a:xfrm>
+                <a:off x="-28155" y="213018"/>
+                <a:ext cx="2299154" cy="369332"/>
+              </a:xfrm>
+              <a:prstGeom prst="rect">
+                <a:avLst/>
+              </a:prstGeom>
+              <a:blipFill>
+                <a:blip r:embed="rId5"/>
+                <a:stretch>
+                  <a:fillRect t="-6452" b="-19355"/>
+                </a:stretch>
+              </a:blipFill>
+            </p:spPr>
+            <p:txBody>
+              <a:bodyPr/>
+              <a:lstStyle/>
+              <a:p>
+                <a:r>
+                  <a:rPr lang="zh-CN" altLang="en-US">
+                    <a:noFill/>
+                  </a:rPr>
+                  <a:t> </a:t>
+                </a:r>
+              </a:p>
+            </p:txBody>
+          </p:sp>
+        </mc:Fallback>
+      </mc:AlternateContent>
+      <mc:AlternateContent xmlns:mc="http://schemas.openxmlformats.org/markup-compatibility/2006">
+        <mc:Choice xmlns:a14="http://schemas.microsoft.com/office/drawing/2010/main" Requires="a14">
           <p:sp>
             <p:nvSpPr>
               <p:cNvPr id="57" name="文本框 56">
@@ -5852,8 +6003,8 @@
             </p:nvSpPr>
             <p:spPr>
               <a:xfrm>
-                <a:off x="4607641" y="2783161"/>
-                <a:ext cx="797590" cy="248914"/>
+                <a:off x="4610135" y="4724821"/>
+                <a:ext cx="797590" cy="271164"/>
               </a:xfrm>
               <a:prstGeom prst="rect">
                 <a:avLst/>
@@ -5902,22 +6053,25 @@
                         </m:sub>
                         <m:sup>
                           <m:r>
-                            <a:rPr lang="zh-CN" altLang="en-US" sz="1000" i="1">
+                            <a:rPr lang="en-US" altLang="zh-CN" sz="1000" b="0" i="1" smtClean="0">
                               <a:latin typeface="Cambria Math" panose="02040503050406030204" pitchFamily="18" charset="0"/>
                             </a:rPr>
-                            <m:t>𝑐𝑡𝑟𝑙</m:t>
+                            <m:t>𝑝𝑒𝑟𝑏</m:t>
                           </m:r>
                         </m:sup>
                       </m:sSubSup>
                     </m:oMath>
                   </m:oMathPara>
                 </a14:m>
-                <a:endParaRPr lang="zh-CN" altLang="en-US" sz="1000" dirty="0"/>
+                <a:endParaRPr lang="zh-CN" altLang="en-US" sz="1000" dirty="0">
+                  <a:latin typeface="Times New Roman" panose="02020603050405020304" pitchFamily="18" charset="0"/>
+                  <a:cs typeface="Times New Roman" panose="02020603050405020304" pitchFamily="18" charset="0"/>
+                </a:endParaRPr>
               </a:p>
             </p:txBody>
           </p:sp>
         </mc:Choice>
-        <mc:Fallback xmlns="">
+        <mc:Fallback>
           <p:sp>
             <p:nvSpPr>
               <p:cNvPr id="57" name="文本框 56">
@@ -5934,14 +6088,14 @@
             </p:nvSpPr>
             <p:spPr>
               <a:xfrm>
-                <a:off x="4607641" y="2783161"/>
-                <a:ext cx="797590" cy="248914"/>
+                <a:off x="4610135" y="4724821"/>
+                <a:ext cx="797590" cy="271164"/>
               </a:xfrm>
               <a:prstGeom prst="rect">
                 <a:avLst/>
               </a:prstGeom>
               <a:blipFill>
-                <a:blip r:embed="rId5"/>
+                <a:blip r:embed="rId6"/>
                 <a:stretch>
                   <a:fillRect/>
                 </a:stretch>
@@ -5962,8 +6116,8 @@
           </p:sp>
         </mc:Fallback>
       </mc:AlternateContent>
-      <mc:AlternateContent xmlns:mc="http://schemas.openxmlformats.org/markup-compatibility/2006" xmlns:a14="http://schemas.microsoft.com/office/drawing/2010/main">
-        <mc:Choice Requires="a14">
+      <mc:AlternateContent xmlns:mc="http://schemas.openxmlformats.org/markup-compatibility/2006">
+        <mc:Choice xmlns:a14="http://schemas.microsoft.com/office/drawing/2010/main" Requires="a14">
           <p:sp>
             <p:nvSpPr>
               <p:cNvPr id="58" name="文本框 57">
@@ -5978,8 +6132,8 @@
             </p:nvSpPr>
             <p:spPr>
               <a:xfrm>
-                <a:off x="4725375" y="4643790"/>
-                <a:ext cx="563987" cy="251159"/>
+                <a:off x="4770755" y="2840572"/>
+                <a:ext cx="563987" cy="248914"/>
               </a:xfrm>
               <a:prstGeom prst="rect">
                 <a:avLst/>
@@ -5995,6 +6149,7 @@
                 <a:r>
                   <a:rPr lang="zh-CN" altLang="zh-CN" sz="1000" dirty="0">
                     <a:effectLst/>
+                    <a:latin typeface="Times New Roman" panose="02020603050405020304" pitchFamily="18" charset="0"/>
                     <a:ea typeface="Cambria" panose="02040503050406030204" pitchFamily="18" charset="0"/>
                     <a:cs typeface="Times New Roman" panose="02020603050405020304" pitchFamily="18" charset="0"/>
                   </a:rPr>
@@ -6036,13 +6191,13 @@
                       </m:sub>
                       <m:sup>
                         <m:r>
-                          <a:rPr lang="en-US" altLang="zh-CN" sz="1000" i="1">
+                          <a:rPr lang="en-US" altLang="zh-CN" sz="1000" b="0" i="1" smtClean="0">
                             <a:effectLst/>
                             <a:latin typeface="Cambria Math" panose="02040503050406030204" pitchFamily="18" charset="0"/>
                             <a:ea typeface="宋体" panose="02010600030101010101" pitchFamily="2" charset="-122"/>
                             <a:cs typeface="Times New Roman" panose="02020603050405020304" pitchFamily="18" charset="0"/>
                           </a:rPr>
-                          <m:t>𝑠𝑡𝑖𝑚</m:t>
+                          <m:t>𝑐𝑡𝑟𝑙</m:t>
                         </m:r>
                       </m:sup>
                     </m:sSubSup>
@@ -6051,15 +6206,20 @@
                 <a:r>
                   <a:rPr lang="zh-CN" altLang="zh-CN" sz="1000" dirty="0">
                     <a:effectLst/>
+                    <a:latin typeface="Times New Roman" panose="02020603050405020304" pitchFamily="18" charset="0"/>
+                    <a:cs typeface="Times New Roman" panose="02020603050405020304" pitchFamily="18" charset="0"/>
                   </a:rPr>
                   <a:t> </a:t>
                 </a:r>
-                <a:endParaRPr lang="zh-CN" altLang="en-US" sz="1000" dirty="0"/>
+                <a:endParaRPr lang="zh-CN" altLang="en-US" sz="1000" dirty="0">
+                  <a:latin typeface="Times New Roman" panose="02020603050405020304" pitchFamily="18" charset="0"/>
+                  <a:cs typeface="Times New Roman" panose="02020603050405020304" pitchFamily="18" charset="0"/>
+                </a:endParaRPr>
               </a:p>
             </p:txBody>
           </p:sp>
         </mc:Choice>
-        <mc:Fallback xmlns="">
+        <mc:Fallback>
           <p:sp>
             <p:nvSpPr>
               <p:cNvPr id="58" name="文本框 57">
@@ -6076,14 +6236,14 @@
             </p:nvSpPr>
             <p:spPr>
               <a:xfrm>
-                <a:off x="4725375" y="4643790"/>
-                <a:ext cx="563987" cy="251159"/>
+                <a:off x="4770755" y="2840572"/>
+                <a:ext cx="563987" cy="248914"/>
               </a:xfrm>
               <a:prstGeom prst="rect">
                 <a:avLst/>
               </a:prstGeom>
               <a:blipFill>
-                <a:blip r:embed="rId6"/>
+                <a:blip r:embed="rId7"/>
                 <a:stretch>
                   <a:fillRect/>
                 </a:stretch>
@@ -6104,8 +6264,8 @@
           </p:sp>
         </mc:Fallback>
       </mc:AlternateContent>
-      <mc:AlternateContent xmlns:mc="http://schemas.openxmlformats.org/markup-compatibility/2006" xmlns:a14="http://schemas.microsoft.com/office/drawing/2010/main">
-        <mc:Choice Requires="a14">
+      <mc:AlternateContent xmlns:mc="http://schemas.openxmlformats.org/markup-compatibility/2006">
+        <mc:Choice xmlns:a14="http://schemas.microsoft.com/office/drawing/2010/main" Requires="a14">
           <p:sp>
             <p:nvSpPr>
               <p:cNvPr id="38" name="文本框 37">
@@ -6208,15 +6368,20 @@
                 <a:r>
                   <a:rPr lang="zh-CN" altLang="zh-CN" dirty="0">
                     <a:effectLst/>
+                    <a:latin typeface="Times New Roman" panose="02020603050405020304" pitchFamily="18" charset="0"/>
+                    <a:cs typeface="Times New Roman" panose="02020603050405020304" pitchFamily="18" charset="0"/>
                   </a:rPr>
                   <a:t> </a:t>
                 </a:r>
-                <a:endParaRPr kumimoji="1" lang="zh-CN" altLang="en-US" dirty="0"/>
+                <a:endParaRPr kumimoji="1" lang="zh-CN" altLang="en-US" dirty="0">
+                  <a:latin typeface="Times New Roman" panose="02020603050405020304" pitchFamily="18" charset="0"/>
+                  <a:cs typeface="Times New Roman" panose="02020603050405020304" pitchFamily="18" charset="0"/>
+                </a:endParaRPr>
               </a:p>
             </p:txBody>
           </p:sp>
         </mc:Choice>
-        <mc:Fallback xmlns="">
+        <mc:Fallback>
           <p:sp>
             <p:nvSpPr>
               <p:cNvPr id="38" name="文本框 37">
@@ -6240,7 +6405,7 @@
                 <a:avLst/>
               </a:prstGeom>
               <a:blipFill>
-                <a:blip r:embed="rId7"/>
+                <a:blip r:embed="rId8"/>
                 <a:stretch>
                   <a:fillRect b="-9091"/>
                 </a:stretch>
@@ -6261,8 +6426,8 @@
           </p:sp>
         </mc:Fallback>
       </mc:AlternateContent>
-      <mc:AlternateContent xmlns:mc="http://schemas.openxmlformats.org/markup-compatibility/2006" xmlns:a14="http://schemas.microsoft.com/office/drawing/2010/main">
-        <mc:Choice Requires="a14">
+      <mc:AlternateContent xmlns:mc="http://schemas.openxmlformats.org/markup-compatibility/2006">
+        <mc:Choice xmlns:a14="http://schemas.microsoft.com/office/drawing/2010/main" Requires="a14">
           <p:sp>
             <p:nvSpPr>
               <p:cNvPr id="7" name="文本框 6">
@@ -6364,15 +6529,20 @@
                 <a:r>
                   <a:rPr lang="zh-CN" altLang="zh-CN" dirty="0">
                     <a:effectLst/>
+                    <a:latin typeface="Times New Roman" panose="02020603050405020304" pitchFamily="18" charset="0"/>
+                    <a:cs typeface="Times New Roman" panose="02020603050405020304" pitchFamily="18" charset="0"/>
                   </a:rPr>
                   <a:t> </a:t>
                 </a:r>
-                <a:endParaRPr kumimoji="1" lang="zh-CN" altLang="en-US" dirty="0"/>
+                <a:endParaRPr kumimoji="1" lang="zh-CN" altLang="en-US" dirty="0">
+                  <a:latin typeface="Times New Roman" panose="02020603050405020304" pitchFamily="18" charset="0"/>
+                  <a:cs typeface="Times New Roman" panose="02020603050405020304" pitchFamily="18" charset="0"/>
+                </a:endParaRPr>
               </a:p>
             </p:txBody>
           </p:sp>
         </mc:Choice>
-        <mc:Fallback xmlns="">
+        <mc:Fallback>
           <p:sp>
             <p:nvSpPr>
               <p:cNvPr id="7" name="文本框 6">
@@ -6396,7 +6566,7 @@
                 <a:avLst/>
               </a:prstGeom>
               <a:blipFill>
-                <a:blip r:embed="rId8"/>
+                <a:blip r:embed="rId9"/>
                 <a:stretch>
                   <a:fillRect b="-6667"/>
                 </a:stretch>
@@ -6469,6 +6639,8 @@
               <a:solidFill>
                 <a:sysClr val="windowText" lastClr="000000"/>
               </a:solidFill>
+              <a:latin typeface="Times New Roman" panose="02020603050405020304" pitchFamily="18" charset="0"/>
+              <a:cs typeface="Times New Roman" panose="02020603050405020304" pitchFamily="18" charset="0"/>
             </a:endParaRPr>
           </a:p>
         </p:txBody>
@@ -6525,6 +6697,8 @@
               <a:solidFill>
                 <a:sysClr val="windowText" lastClr="000000"/>
               </a:solidFill>
+              <a:latin typeface="Times New Roman" panose="02020603050405020304" pitchFamily="18" charset="0"/>
+              <a:cs typeface="Times New Roman" panose="02020603050405020304" pitchFamily="18" charset="0"/>
             </a:endParaRPr>
           </a:p>
         </p:txBody>
@@ -6581,6 +6755,8 @@
               <a:solidFill>
                 <a:sysClr val="windowText" lastClr="000000"/>
               </a:solidFill>
+              <a:latin typeface="Times New Roman" panose="02020603050405020304" pitchFamily="18" charset="0"/>
+              <a:cs typeface="Times New Roman" panose="02020603050405020304" pitchFamily="18" charset="0"/>
             </a:endParaRPr>
           </a:p>
         </p:txBody>
@@ -6637,6 +6813,8 @@
               <a:solidFill>
                 <a:sysClr val="windowText" lastClr="000000"/>
               </a:solidFill>
+              <a:latin typeface="Times New Roman" panose="02020603050405020304" pitchFamily="18" charset="0"/>
+              <a:cs typeface="Times New Roman" panose="02020603050405020304" pitchFamily="18" charset="0"/>
             </a:endParaRPr>
           </a:p>
         </p:txBody>
@@ -6693,12 +6871,14 @@
               <a:solidFill>
                 <a:sysClr val="windowText" lastClr="000000"/>
               </a:solidFill>
+              <a:latin typeface="Times New Roman" panose="02020603050405020304" pitchFamily="18" charset="0"/>
+              <a:cs typeface="Times New Roman" panose="02020603050405020304" pitchFamily="18" charset="0"/>
             </a:endParaRPr>
           </a:p>
         </p:txBody>
       </p:sp>
-      <mc:AlternateContent xmlns:mc="http://schemas.openxmlformats.org/markup-compatibility/2006" xmlns:a14="http://schemas.microsoft.com/office/drawing/2010/main">
-        <mc:Choice Requires="a14">
+      <mc:AlternateContent xmlns:mc="http://schemas.openxmlformats.org/markup-compatibility/2006">
+        <mc:Choice xmlns:a14="http://schemas.microsoft.com/office/drawing/2010/main" Requires="a14">
           <p:sp>
             <p:nvSpPr>
               <p:cNvPr id="80" name="文本框 79">
@@ -6800,15 +6980,20 @@
                 <a:r>
                   <a:rPr lang="zh-CN" altLang="zh-CN" dirty="0">
                     <a:effectLst/>
+                    <a:latin typeface="Times New Roman" panose="02020603050405020304" pitchFamily="18" charset="0"/>
+                    <a:cs typeface="Times New Roman" panose="02020603050405020304" pitchFamily="18" charset="0"/>
                   </a:rPr>
                   <a:t> </a:t>
                 </a:r>
-                <a:endParaRPr kumimoji="1" lang="zh-CN" altLang="en-US" dirty="0"/>
+                <a:endParaRPr kumimoji="1" lang="zh-CN" altLang="en-US" dirty="0">
+                  <a:latin typeface="Times New Roman" panose="02020603050405020304" pitchFamily="18" charset="0"/>
+                  <a:cs typeface="Times New Roman" panose="02020603050405020304" pitchFamily="18" charset="0"/>
+                </a:endParaRPr>
               </a:p>
             </p:txBody>
           </p:sp>
         </mc:Choice>
-        <mc:Fallback xmlns="">
+        <mc:Fallback>
           <p:sp>
             <p:nvSpPr>
               <p:cNvPr id="80" name="文本框 79">
@@ -6832,7 +7017,7 @@
                 <a:avLst/>
               </a:prstGeom>
               <a:blipFill>
-                <a:blip r:embed="rId9"/>
+                <a:blip r:embed="rId10"/>
                 <a:stretch>
                   <a:fillRect b="-6452"/>
                 </a:stretch>
@@ -6867,7 +7052,7 @@
         </p:nvGrpSpPr>
         <p:grpSpPr>
           <a:xfrm>
-            <a:off x="9084167" y="4496901"/>
+            <a:off x="9084167" y="4410235"/>
             <a:ext cx="1617333" cy="1549276"/>
             <a:chOff x="467071" y="2886352"/>
             <a:chExt cx="1617333" cy="1549276"/>
@@ -6916,12 +7101,15 @@
             <a:lstStyle/>
             <a:p>
               <a:pPr algn="ctr"/>
-              <a:endParaRPr kumimoji="1" lang="zh-CN" altLang="en-US" dirty="0"/>
+              <a:endParaRPr kumimoji="1" lang="zh-CN" altLang="en-US" dirty="0">
+                <a:latin typeface="Times New Roman" panose="02020603050405020304" pitchFamily="18" charset="0"/>
+                <a:cs typeface="Times New Roman" panose="02020603050405020304" pitchFamily="18" charset="0"/>
+              </a:endParaRPr>
             </a:p>
           </p:txBody>
         </p:sp>
-        <mc:AlternateContent xmlns:mc="http://schemas.openxmlformats.org/markup-compatibility/2006" xmlns:a14="http://schemas.microsoft.com/office/drawing/2010/main">
-          <mc:Choice Requires="a14">
+        <mc:AlternateContent xmlns:mc="http://schemas.openxmlformats.org/markup-compatibility/2006">
+          <mc:Choice xmlns:a14="http://schemas.microsoft.com/office/drawing/2010/main" Requires="a14">
             <p:sp>
               <p:nvSpPr>
                 <p:cNvPr id="72" name="文本框 71">
@@ -6937,7 +7125,7 @@
               <p:spPr>
                 <a:xfrm>
                   <a:off x="539242" y="2886352"/>
-                  <a:ext cx="1529507" cy="430253"/>
+                  <a:ext cx="1529507" cy="336567"/>
                 </a:xfrm>
                 <a:prstGeom prst="rect">
                   <a:avLst/>
@@ -6976,13 +7164,13 @@
                         </m:e>
                         <m:sup>
                           <m:r>
-                            <a:rPr lang="en-US" altLang="zh-CN" sz="1800" i="1">
+                            <a:rPr lang="en-US" altLang="zh-CN" sz="1800" b="0" i="1" smtClean="0">
                               <a:effectLst/>
                               <a:latin typeface="Cambria Math" panose="02040503050406030204" pitchFamily="18" charset="0"/>
                               <a:ea typeface="宋体" panose="02010600030101010101" pitchFamily="2" charset="-122"/>
                               <a:cs typeface="Times New Roman" panose="02020603050405020304" pitchFamily="18" charset="0"/>
                             </a:rPr>
-                            <m:t>𝑠𝑡𝑖𝑚</m:t>
+                            <m:t>𝑝𝑒𝑟𝑏</m:t>
                           </m:r>
                         </m:sup>
                       </m:sSup>
@@ -6991,15 +7179,20 @@
                   <a:r>
                     <a:rPr lang="zh-CN" altLang="zh-CN" sz="1400" dirty="0">
                       <a:effectLst/>
+                      <a:latin typeface="Times New Roman" panose="02020603050405020304" pitchFamily="18" charset="0"/>
+                      <a:cs typeface="Times New Roman" panose="02020603050405020304" pitchFamily="18" charset="0"/>
                     </a:rPr>
                     <a:t> </a:t>
                   </a:r>
-                  <a:endParaRPr kumimoji="1" lang="zh-CN" altLang="en-US" sz="1400" dirty="0"/>
+                  <a:endParaRPr kumimoji="1" lang="zh-CN" altLang="en-US" sz="1400" dirty="0">
+                    <a:latin typeface="Times New Roman" panose="02020603050405020304" pitchFamily="18" charset="0"/>
+                    <a:cs typeface="Times New Roman" panose="02020603050405020304" pitchFamily="18" charset="0"/>
+                  </a:endParaRPr>
                 </a:p>
               </p:txBody>
             </p:sp>
           </mc:Choice>
-          <mc:Fallback xmlns="">
+          <mc:Fallback>
             <p:sp>
               <p:nvSpPr>
                 <p:cNvPr id="72" name="文本框 71">
@@ -7017,13 +7210,13 @@
               <p:spPr>
                 <a:xfrm>
                   <a:off x="539242" y="2886352"/>
-                  <a:ext cx="1529507" cy="430253"/>
+                  <a:ext cx="1529507" cy="336567"/>
                 </a:xfrm>
                 <a:prstGeom prst="rect">
                   <a:avLst/>
                 </a:prstGeom>
                 <a:blipFill>
-                  <a:blip r:embed="rId10"/>
+                  <a:blip r:embed="rId11"/>
                   <a:stretch>
                     <a:fillRect/>
                   </a:stretch>
@@ -7067,7 +7260,7 @@
               <a:avLst/>
             </a:prstGeom>
             <a:blipFill>
-              <a:blip r:embed="rId11"/>
+              <a:blip r:embed="rId12"/>
               <a:stretch>
                 <a:fillRect l="5564" t="5564" r="5564" b="5564"/>
               </a:stretch>
@@ -7097,7 +7290,10 @@
             <a:lstStyle/>
             <a:p>
               <a:pPr algn="ctr"/>
-              <a:endParaRPr kumimoji="1" lang="zh-CN" altLang="en-US"/>
+              <a:endParaRPr kumimoji="1" lang="zh-CN" altLang="en-US">
+                <a:latin typeface="Times New Roman" panose="02020603050405020304" pitchFamily="18" charset="0"/>
+                <a:cs typeface="Times New Roman" panose="02020603050405020304" pitchFamily="18" charset="0"/>
+              </a:endParaRPr>
             </a:p>
           </p:txBody>
         </p:sp>
@@ -7124,7 +7320,7 @@
               <a:avLst/>
             </a:prstGeom>
             <a:blipFill dpi="0" rotWithShape="1">
-              <a:blip r:embed="rId12"/>
+              <a:blip r:embed="rId13"/>
               <a:srcRect/>
               <a:stretch>
                 <a:fillRect l="5564" t="-4000" r="5564" b="3000"/>
@@ -7155,7 +7351,10 @@
             <a:lstStyle/>
             <a:p>
               <a:pPr algn="ctr"/>
-              <a:endParaRPr kumimoji="1" lang="zh-CN" altLang="en-US"/>
+              <a:endParaRPr kumimoji="1" lang="zh-CN" altLang="en-US">
+                <a:latin typeface="Times New Roman" panose="02020603050405020304" pitchFamily="18" charset="0"/>
+                <a:cs typeface="Times New Roman" panose="02020603050405020304" pitchFamily="18" charset="0"/>
+              </a:endParaRPr>
             </a:p>
           </p:txBody>
         </p:sp>
@@ -7182,7 +7381,7 @@
               <a:avLst/>
             </a:prstGeom>
             <a:blipFill>
-              <a:blip r:embed="rId13"/>
+              <a:blip r:embed="rId14"/>
               <a:stretch>
                 <a:fillRect l="8993" t="8433" r="8993" b="8433"/>
               </a:stretch>
@@ -7212,7 +7411,10 @@
             <a:lstStyle/>
             <a:p>
               <a:pPr algn="ctr"/>
-              <a:endParaRPr kumimoji="1" lang="zh-CN" altLang="en-US"/>
+              <a:endParaRPr kumimoji="1" lang="zh-CN" altLang="en-US">
+                <a:latin typeface="Times New Roman" panose="02020603050405020304" pitchFamily="18" charset="0"/>
+                <a:cs typeface="Times New Roman" panose="02020603050405020304" pitchFamily="18" charset="0"/>
+              </a:endParaRPr>
             </a:p>
           </p:txBody>
         </p:sp>
@@ -7274,7 +7476,10 @@
           <a:lstStyle/>
           <a:p>
             <a:pPr algn="ctr"/>
-            <a:endParaRPr kumimoji="1" lang="zh-CN" altLang="en-US"/>
+            <a:endParaRPr kumimoji="1" lang="zh-CN" altLang="en-US">
+              <a:latin typeface="Times New Roman" panose="02020603050405020304" pitchFamily="18" charset="0"/>
+              <a:cs typeface="Times New Roman" panose="02020603050405020304" pitchFamily="18" charset="0"/>
+            </a:endParaRPr>
           </a:p>
         </p:txBody>
       </p:sp>
@@ -7294,14 +7499,14 @@
         </p:nvGrpSpPr>
         <p:grpSpPr>
           <a:xfrm>
-            <a:off x="148089" y="4429552"/>
+            <a:off x="180067" y="2717509"/>
             <a:ext cx="1950206" cy="1828800"/>
             <a:chOff x="467071" y="4468255"/>
             <a:chExt cx="1617333" cy="1516649"/>
           </a:xfrm>
         </p:grpSpPr>
-        <mc:AlternateContent xmlns:mc="http://schemas.openxmlformats.org/markup-compatibility/2006" xmlns:a14="http://schemas.microsoft.com/office/drawing/2010/main">
-          <mc:Choice Requires="a14">
+        <mc:AlternateContent xmlns:mc="http://schemas.openxmlformats.org/markup-compatibility/2006">
+          <mc:Choice xmlns:a14="http://schemas.microsoft.com/office/drawing/2010/main" Requires="a14">
             <p:sp>
               <p:nvSpPr>
                 <p:cNvPr id="73" name="文本框 72">
@@ -7317,7 +7522,7 @@
               <p:spPr>
                 <a:xfrm>
                   <a:off x="672723" y="4468255"/>
-                  <a:ext cx="1262543" cy="441659"/>
+                  <a:ext cx="1262543" cy="279120"/>
                 </a:xfrm>
                 <a:prstGeom prst="rect">
                   <a:avLst/>
@@ -7371,15 +7576,20 @@
                   <a:r>
                     <a:rPr lang="zh-CN" altLang="zh-CN" sz="1400" dirty="0">
                       <a:effectLst/>
+                      <a:latin typeface="Times New Roman" panose="02020603050405020304" pitchFamily="18" charset="0"/>
+                      <a:cs typeface="Times New Roman" panose="02020603050405020304" pitchFamily="18" charset="0"/>
                     </a:rPr>
                     <a:t> </a:t>
                   </a:r>
-                  <a:endParaRPr kumimoji="1" lang="zh-CN" altLang="en-US" sz="1400" dirty="0"/>
+                  <a:endParaRPr kumimoji="1" lang="zh-CN" altLang="en-US" sz="1400" dirty="0">
+                    <a:latin typeface="Times New Roman" panose="02020603050405020304" pitchFamily="18" charset="0"/>
+                    <a:cs typeface="Times New Roman" panose="02020603050405020304" pitchFamily="18" charset="0"/>
+                  </a:endParaRPr>
                 </a:p>
               </p:txBody>
             </p:sp>
           </mc:Choice>
-          <mc:Fallback xmlns="">
+          <mc:Fallback>
             <p:sp>
               <p:nvSpPr>
                 <p:cNvPr id="73" name="文本框 72">
@@ -7397,13 +7607,13 @@
               <p:spPr>
                 <a:xfrm>
                   <a:off x="672723" y="4468255"/>
-                  <a:ext cx="1262543" cy="441659"/>
+                  <a:ext cx="1262543" cy="279120"/>
                 </a:xfrm>
                 <a:prstGeom prst="rect">
                   <a:avLst/>
                 </a:prstGeom>
                 <a:blipFill>
-                  <a:blip r:embed="rId14"/>
+                  <a:blip r:embed="rId15"/>
                   <a:stretch>
                     <a:fillRect/>
                   </a:stretch>
@@ -7467,7 +7677,10 @@
             <a:lstStyle/>
             <a:p>
               <a:pPr algn="ctr"/>
-              <a:endParaRPr kumimoji="1" lang="zh-CN" altLang="en-US" dirty="0"/>
+              <a:endParaRPr kumimoji="1" lang="zh-CN" altLang="en-US" dirty="0">
+                <a:latin typeface="Times New Roman" panose="02020603050405020304" pitchFamily="18" charset="0"/>
+                <a:cs typeface="Times New Roman" panose="02020603050405020304" pitchFamily="18" charset="0"/>
+              </a:endParaRPr>
             </a:p>
           </p:txBody>
         </p:sp>
@@ -7494,7 +7707,7 @@
               <a:avLst/>
             </a:prstGeom>
             <a:blipFill>
-              <a:blip r:embed="rId15"/>
+              <a:blip r:embed="rId16"/>
               <a:stretch>
                 <a:fillRect l="7786" t="5564" r="3342" b="5564"/>
               </a:stretch>
@@ -7524,7 +7737,10 @@
             <a:lstStyle/>
             <a:p>
               <a:pPr algn="ctr"/>
-              <a:endParaRPr kumimoji="1" lang="zh-CN" altLang="en-US"/>
+              <a:endParaRPr kumimoji="1" lang="zh-CN" altLang="en-US">
+                <a:latin typeface="Times New Roman" panose="02020603050405020304" pitchFamily="18" charset="0"/>
+                <a:cs typeface="Times New Roman" panose="02020603050405020304" pitchFamily="18" charset="0"/>
+              </a:endParaRPr>
             </a:p>
           </p:txBody>
         </p:sp>
@@ -7551,7 +7767,7 @@
               <a:avLst/>
             </a:prstGeom>
             <a:blipFill>
-              <a:blip r:embed="rId16"/>
+              <a:blip r:embed="rId17"/>
               <a:stretch>
                 <a:fillRect l="5564" t="-2128" r="5564" b="13256"/>
               </a:stretch>
@@ -7581,7 +7797,10 @@
             <a:lstStyle/>
             <a:p>
               <a:pPr algn="ctr"/>
-              <a:endParaRPr kumimoji="1" lang="zh-CN" altLang="en-US"/>
+              <a:endParaRPr kumimoji="1" lang="zh-CN" altLang="en-US">
+                <a:latin typeface="Times New Roman" panose="02020603050405020304" pitchFamily="18" charset="0"/>
+                <a:cs typeface="Times New Roman" panose="02020603050405020304" pitchFamily="18" charset="0"/>
+              </a:endParaRPr>
             </a:p>
           </p:txBody>
         </p:sp>
@@ -7608,7 +7827,7 @@
               <a:avLst/>
             </a:prstGeom>
             <a:blipFill dpi="0" rotWithShape="1">
-              <a:blip r:embed="rId17"/>
+              <a:blip r:embed="rId18"/>
               <a:srcRect/>
               <a:stretch>
                 <a:fillRect l="7786" t="6000" r="6000" b="5564"/>
@@ -7639,7 +7858,10 @@
             <a:lstStyle/>
             <a:p>
               <a:pPr algn="ctr"/>
-              <a:endParaRPr kumimoji="1" lang="zh-CN" altLang="en-US"/>
+              <a:endParaRPr kumimoji="1" lang="zh-CN" altLang="en-US" dirty="0">
+                <a:latin typeface="Times New Roman" panose="02020603050405020304" pitchFamily="18" charset="0"/>
+                <a:cs typeface="Times New Roman" panose="02020603050405020304" pitchFamily="18" charset="0"/>
+              </a:endParaRPr>
             </a:p>
           </p:txBody>
         </p:sp>
@@ -7660,10 +7882,10 @@
         </p:nvGrpSpPr>
         <p:grpSpPr>
           <a:xfrm>
-            <a:off x="3289450" y="690330"/>
-            <a:ext cx="1661126" cy="1620000"/>
-            <a:chOff x="993995" y="1039906"/>
-            <a:chExt cx="2245956" cy="2238935"/>
+            <a:off x="3286854" y="690330"/>
+            <a:ext cx="1665090" cy="1620000"/>
+            <a:chOff x="990485" y="1039906"/>
+            <a:chExt cx="2251315" cy="2238935"/>
           </a:xfrm>
         </p:grpSpPr>
         <p:grpSp>
@@ -7732,7 +7954,10 @@
               <a:lstStyle/>
               <a:p>
                 <a:pPr algn="ctr"/>
-                <a:endParaRPr kumimoji="1" lang="zh-CN" altLang="en-US"/>
+                <a:endParaRPr kumimoji="1" lang="zh-CN" altLang="en-US">
+                  <a:latin typeface="Times New Roman" panose="02020603050405020304" pitchFamily="18" charset="0"/>
+                  <a:cs typeface="Times New Roman" panose="02020603050405020304" pitchFamily="18" charset="0"/>
+                </a:endParaRPr>
               </a:p>
             </p:txBody>
           </p:sp>
@@ -7779,7 +8004,10 @@
               <a:lstStyle/>
               <a:p>
                 <a:pPr algn="ctr"/>
-                <a:endParaRPr kumimoji="1" lang="zh-CN" altLang="en-US"/>
+                <a:endParaRPr kumimoji="1" lang="zh-CN" altLang="en-US">
+                  <a:latin typeface="Times New Roman" panose="02020603050405020304" pitchFamily="18" charset="0"/>
+                  <a:cs typeface="Times New Roman" panose="02020603050405020304" pitchFamily="18" charset="0"/>
+                </a:endParaRPr>
               </a:p>
             </p:txBody>
           </p:sp>
@@ -7826,7 +8054,10 @@
               <a:lstStyle/>
               <a:p>
                 <a:pPr algn="ctr"/>
-                <a:endParaRPr kumimoji="1" lang="zh-CN" altLang="en-US"/>
+                <a:endParaRPr kumimoji="1" lang="zh-CN" altLang="en-US">
+                  <a:latin typeface="Times New Roman" panose="02020603050405020304" pitchFamily="18" charset="0"/>
+                  <a:cs typeface="Times New Roman" panose="02020603050405020304" pitchFamily="18" charset="0"/>
+                </a:endParaRPr>
               </a:p>
             </p:txBody>
           </p:sp>
@@ -7873,7 +8104,10 @@
               <a:lstStyle/>
               <a:p>
                 <a:pPr algn="ctr"/>
-                <a:endParaRPr kumimoji="1" lang="zh-CN" altLang="en-US"/>
+                <a:endParaRPr kumimoji="1" lang="zh-CN" altLang="en-US">
+                  <a:latin typeface="Times New Roman" panose="02020603050405020304" pitchFamily="18" charset="0"/>
+                  <a:cs typeface="Times New Roman" panose="02020603050405020304" pitchFamily="18" charset="0"/>
+                </a:endParaRPr>
               </a:p>
             </p:txBody>
           </p:sp>
@@ -7920,7 +8154,10 @@
               <a:lstStyle/>
               <a:p>
                 <a:pPr algn="ctr"/>
-                <a:endParaRPr kumimoji="1" lang="zh-CN" altLang="en-US"/>
+                <a:endParaRPr kumimoji="1" lang="zh-CN" altLang="en-US">
+                  <a:latin typeface="Times New Roman" panose="02020603050405020304" pitchFamily="18" charset="0"/>
+                  <a:cs typeface="Times New Roman" panose="02020603050405020304" pitchFamily="18" charset="0"/>
+                </a:endParaRPr>
               </a:p>
             </p:txBody>
           </p:sp>
@@ -7991,7 +8228,10 @@
               <a:lstStyle/>
               <a:p>
                 <a:pPr algn="ctr"/>
-                <a:endParaRPr kumimoji="1" lang="zh-CN" altLang="en-US"/>
+                <a:endParaRPr kumimoji="1" lang="zh-CN" altLang="en-US">
+                  <a:latin typeface="Times New Roman" panose="02020603050405020304" pitchFamily="18" charset="0"/>
+                  <a:cs typeface="Times New Roman" panose="02020603050405020304" pitchFamily="18" charset="0"/>
+                </a:endParaRPr>
               </a:p>
             </p:txBody>
           </p:sp>
@@ -8038,7 +8278,10 @@
               <a:lstStyle/>
               <a:p>
                 <a:pPr algn="ctr"/>
-                <a:endParaRPr kumimoji="1" lang="zh-CN" altLang="en-US"/>
+                <a:endParaRPr kumimoji="1" lang="zh-CN" altLang="en-US">
+                  <a:latin typeface="Times New Roman" panose="02020603050405020304" pitchFamily="18" charset="0"/>
+                  <a:cs typeface="Times New Roman" panose="02020603050405020304" pitchFamily="18" charset="0"/>
+                </a:endParaRPr>
               </a:p>
             </p:txBody>
           </p:sp>
@@ -8085,7 +8328,10 @@
               <a:lstStyle/>
               <a:p>
                 <a:pPr algn="ctr"/>
-                <a:endParaRPr kumimoji="1" lang="zh-CN" altLang="en-US"/>
+                <a:endParaRPr kumimoji="1" lang="zh-CN" altLang="en-US">
+                  <a:latin typeface="Times New Roman" panose="02020603050405020304" pitchFamily="18" charset="0"/>
+                  <a:cs typeface="Times New Roman" panose="02020603050405020304" pitchFamily="18" charset="0"/>
+                </a:endParaRPr>
               </a:p>
             </p:txBody>
           </p:sp>
@@ -8132,7 +8378,10 @@
               <a:lstStyle/>
               <a:p>
                 <a:pPr algn="ctr"/>
-                <a:endParaRPr kumimoji="1" lang="zh-CN" altLang="en-US"/>
+                <a:endParaRPr kumimoji="1" lang="zh-CN" altLang="en-US">
+                  <a:latin typeface="Times New Roman" panose="02020603050405020304" pitchFamily="18" charset="0"/>
+                  <a:cs typeface="Times New Roman" panose="02020603050405020304" pitchFamily="18" charset="0"/>
+                </a:endParaRPr>
               </a:p>
             </p:txBody>
           </p:sp>
@@ -9075,8 +9324,8 @@
           </p:nvSpPr>
           <p:spPr>
             <a:xfrm>
-              <a:off x="993995" y="2551555"/>
-              <a:ext cx="573872" cy="611562"/>
+              <a:off x="990485" y="2359273"/>
+              <a:ext cx="561782" cy="510438"/>
             </a:xfrm>
             <a:prstGeom prst="rect">
               <a:avLst/>
@@ -9091,10 +9340,16 @@
             <a:p>
               <a:pPr algn="ctr"/>
               <a:r>
-                <a:rPr kumimoji="1" lang="en-US" altLang="zh-CN" dirty="0"/>
+                <a:rPr kumimoji="1" lang="en-US" altLang="zh-CN" dirty="0">
+                  <a:latin typeface="Times New Roman" panose="02020603050405020304" pitchFamily="18" charset="0"/>
+                  <a:cs typeface="Times New Roman" panose="02020603050405020304" pitchFamily="18" charset="0"/>
+                </a:rPr>
                 <a:t>…</a:t>
               </a:r>
-              <a:endParaRPr kumimoji="1" lang="zh-CN" altLang="en-US" dirty="0"/>
+              <a:endParaRPr kumimoji="1" lang="zh-CN" altLang="en-US" dirty="0">
+                <a:latin typeface="Times New Roman" panose="02020603050405020304" pitchFamily="18" charset="0"/>
+                <a:cs typeface="Times New Roman" panose="02020603050405020304" pitchFamily="18" charset="0"/>
+              </a:endParaRPr>
             </a:p>
           </p:txBody>
         </p:sp>
@@ -9112,8 +9367,8 @@
           </p:nvSpPr>
           <p:spPr>
             <a:xfrm>
-              <a:off x="2917222" y="2299785"/>
-              <a:ext cx="322729" cy="611562"/>
+              <a:off x="2919071" y="2176888"/>
+              <a:ext cx="322729" cy="510438"/>
             </a:xfrm>
             <a:prstGeom prst="rect">
               <a:avLst/>
@@ -9128,10 +9383,16 @@
             <a:p>
               <a:pPr algn="ctr"/>
               <a:r>
-                <a:rPr kumimoji="1" lang="en-US" altLang="zh-CN" dirty="0"/>
+                <a:rPr kumimoji="1" lang="en-US" altLang="zh-CN" dirty="0">
+                  <a:latin typeface="Times New Roman" panose="02020603050405020304" pitchFamily="18" charset="0"/>
+                  <a:cs typeface="Times New Roman" panose="02020603050405020304" pitchFamily="18" charset="0"/>
+                </a:rPr>
                 <a:t>…</a:t>
               </a:r>
-              <a:endParaRPr kumimoji="1" lang="zh-CN" altLang="en-US" dirty="0"/>
+              <a:endParaRPr kumimoji="1" lang="zh-CN" altLang="en-US" dirty="0">
+                <a:latin typeface="Times New Roman" panose="02020603050405020304" pitchFamily="18" charset="0"/>
+                <a:cs typeface="Times New Roman" panose="02020603050405020304" pitchFamily="18" charset="0"/>
+              </a:endParaRPr>
             </a:p>
           </p:txBody>
         </p:sp>
@@ -9152,10 +9413,10 @@
         </p:nvGrpSpPr>
         <p:grpSpPr>
           <a:xfrm>
-            <a:off x="3281792" y="4760728"/>
-            <a:ext cx="1629710" cy="1620000"/>
-            <a:chOff x="983641" y="1039906"/>
-            <a:chExt cx="2203480" cy="2238935"/>
+            <a:off x="3286264" y="4760728"/>
+            <a:ext cx="1647497" cy="1620000"/>
+            <a:chOff x="989687" y="1039906"/>
+            <a:chExt cx="2227528" cy="2238935"/>
           </a:xfrm>
         </p:grpSpPr>
         <p:grpSp>
@@ -9224,7 +9485,10 @@
               <a:lstStyle/>
               <a:p>
                 <a:pPr algn="ctr"/>
-                <a:endParaRPr kumimoji="1" lang="zh-CN" altLang="en-US"/>
+                <a:endParaRPr kumimoji="1" lang="zh-CN" altLang="en-US">
+                  <a:latin typeface="Times New Roman" panose="02020603050405020304" pitchFamily="18" charset="0"/>
+                  <a:cs typeface="Times New Roman" panose="02020603050405020304" pitchFamily="18" charset="0"/>
+                </a:endParaRPr>
               </a:p>
             </p:txBody>
           </p:sp>
@@ -9271,7 +9535,10 @@
               <a:lstStyle/>
               <a:p>
                 <a:pPr algn="ctr"/>
-                <a:endParaRPr kumimoji="1" lang="zh-CN" altLang="en-US"/>
+                <a:endParaRPr kumimoji="1" lang="zh-CN" altLang="en-US">
+                  <a:latin typeface="Times New Roman" panose="02020603050405020304" pitchFamily="18" charset="0"/>
+                  <a:cs typeface="Times New Roman" panose="02020603050405020304" pitchFamily="18" charset="0"/>
+                </a:endParaRPr>
               </a:p>
             </p:txBody>
           </p:sp>
@@ -9318,7 +9585,10 @@
               <a:lstStyle/>
               <a:p>
                 <a:pPr algn="ctr"/>
-                <a:endParaRPr kumimoji="1" lang="zh-CN" altLang="en-US"/>
+                <a:endParaRPr kumimoji="1" lang="zh-CN" altLang="en-US">
+                  <a:latin typeface="Times New Roman" panose="02020603050405020304" pitchFamily="18" charset="0"/>
+                  <a:cs typeface="Times New Roman" panose="02020603050405020304" pitchFamily="18" charset="0"/>
+                </a:endParaRPr>
               </a:p>
             </p:txBody>
           </p:sp>
@@ -9365,7 +9635,10 @@
               <a:lstStyle/>
               <a:p>
                 <a:pPr algn="ctr"/>
-                <a:endParaRPr kumimoji="1" lang="zh-CN" altLang="en-US"/>
+                <a:endParaRPr kumimoji="1" lang="zh-CN" altLang="en-US">
+                  <a:latin typeface="Times New Roman" panose="02020603050405020304" pitchFamily="18" charset="0"/>
+                  <a:cs typeface="Times New Roman" panose="02020603050405020304" pitchFamily="18" charset="0"/>
+                </a:endParaRPr>
               </a:p>
             </p:txBody>
           </p:sp>
@@ -9412,7 +9685,10 @@
               <a:lstStyle/>
               <a:p>
                 <a:pPr algn="ctr"/>
-                <a:endParaRPr kumimoji="1" lang="zh-CN" altLang="en-US"/>
+                <a:endParaRPr kumimoji="1" lang="zh-CN" altLang="en-US">
+                  <a:latin typeface="Times New Roman" panose="02020603050405020304" pitchFamily="18" charset="0"/>
+                  <a:cs typeface="Times New Roman" panose="02020603050405020304" pitchFamily="18" charset="0"/>
+                </a:endParaRPr>
               </a:p>
             </p:txBody>
           </p:sp>
@@ -9483,7 +9759,10 @@
               <a:lstStyle/>
               <a:p>
                 <a:pPr algn="ctr"/>
-                <a:endParaRPr kumimoji="1" lang="zh-CN" altLang="en-US"/>
+                <a:endParaRPr kumimoji="1" lang="zh-CN" altLang="en-US">
+                  <a:latin typeface="Times New Roman" panose="02020603050405020304" pitchFamily="18" charset="0"/>
+                  <a:cs typeface="Times New Roman" panose="02020603050405020304" pitchFamily="18" charset="0"/>
+                </a:endParaRPr>
               </a:p>
             </p:txBody>
           </p:sp>
@@ -9530,7 +9809,10 @@
               <a:lstStyle/>
               <a:p>
                 <a:pPr algn="ctr"/>
-                <a:endParaRPr kumimoji="1" lang="zh-CN" altLang="en-US"/>
+                <a:endParaRPr kumimoji="1" lang="zh-CN" altLang="en-US">
+                  <a:latin typeface="Times New Roman" panose="02020603050405020304" pitchFamily="18" charset="0"/>
+                  <a:cs typeface="Times New Roman" panose="02020603050405020304" pitchFamily="18" charset="0"/>
+                </a:endParaRPr>
               </a:p>
             </p:txBody>
           </p:sp>
@@ -9577,7 +9859,10 @@
               <a:lstStyle/>
               <a:p>
                 <a:pPr algn="ctr"/>
-                <a:endParaRPr kumimoji="1" lang="zh-CN" altLang="en-US"/>
+                <a:endParaRPr kumimoji="1" lang="zh-CN" altLang="en-US">
+                  <a:latin typeface="Times New Roman" panose="02020603050405020304" pitchFamily="18" charset="0"/>
+                  <a:cs typeface="Times New Roman" panose="02020603050405020304" pitchFamily="18" charset="0"/>
+                </a:endParaRPr>
               </a:p>
             </p:txBody>
           </p:sp>
@@ -9624,7 +9909,10 @@
               <a:lstStyle/>
               <a:p>
                 <a:pPr algn="ctr"/>
-                <a:endParaRPr kumimoji="1" lang="zh-CN" altLang="en-US"/>
+                <a:endParaRPr kumimoji="1" lang="zh-CN" altLang="en-US">
+                  <a:latin typeface="Times New Roman" panose="02020603050405020304" pitchFamily="18" charset="0"/>
+                  <a:cs typeface="Times New Roman" panose="02020603050405020304" pitchFamily="18" charset="0"/>
+                </a:endParaRPr>
               </a:p>
             </p:txBody>
           </p:sp>
@@ -10568,8 +10856,8 @@
           </p:nvSpPr>
           <p:spPr>
             <a:xfrm>
-              <a:off x="983641" y="2516902"/>
-              <a:ext cx="573872" cy="611562"/>
+              <a:off x="989687" y="2359273"/>
+              <a:ext cx="561782" cy="510438"/>
             </a:xfrm>
             <a:prstGeom prst="rect">
               <a:avLst/>
@@ -10584,10 +10872,16 @@
             <a:p>
               <a:pPr algn="ctr"/>
               <a:r>
-                <a:rPr kumimoji="1" lang="en-US" altLang="zh-CN" dirty="0"/>
+                <a:rPr kumimoji="1" lang="en-US" altLang="zh-CN" dirty="0">
+                  <a:latin typeface="Times New Roman" panose="02020603050405020304" pitchFamily="18" charset="0"/>
+                  <a:cs typeface="Times New Roman" panose="02020603050405020304" pitchFamily="18" charset="0"/>
+                </a:rPr>
                 <a:t>…</a:t>
               </a:r>
-              <a:endParaRPr kumimoji="1" lang="zh-CN" altLang="en-US" dirty="0"/>
+              <a:endParaRPr kumimoji="1" lang="zh-CN" altLang="en-US" dirty="0">
+                <a:latin typeface="Times New Roman" panose="02020603050405020304" pitchFamily="18" charset="0"/>
+                <a:cs typeface="Times New Roman" panose="02020603050405020304" pitchFamily="18" charset="0"/>
+              </a:endParaRPr>
             </a:p>
           </p:txBody>
         </p:sp>
@@ -10605,8 +10899,8 @@
           </p:nvSpPr>
           <p:spPr>
             <a:xfrm>
-              <a:off x="2864392" y="2318882"/>
-              <a:ext cx="322729" cy="611562"/>
+              <a:off x="2894486" y="2205674"/>
+              <a:ext cx="322729" cy="510438"/>
             </a:xfrm>
             <a:prstGeom prst="rect">
               <a:avLst/>
@@ -10621,10 +10915,16 @@
             <a:p>
               <a:pPr algn="ctr"/>
               <a:r>
-                <a:rPr kumimoji="1" lang="en-US" altLang="zh-CN" dirty="0"/>
+                <a:rPr kumimoji="1" lang="en-US" altLang="zh-CN" dirty="0">
+                  <a:latin typeface="Times New Roman" panose="02020603050405020304" pitchFamily="18" charset="0"/>
+                  <a:cs typeface="Times New Roman" panose="02020603050405020304" pitchFamily="18" charset="0"/>
+                </a:rPr>
                 <a:t>…</a:t>
               </a:r>
-              <a:endParaRPr kumimoji="1" lang="zh-CN" altLang="en-US" dirty="0"/>
+              <a:endParaRPr kumimoji="1" lang="zh-CN" altLang="en-US" dirty="0">
+                <a:latin typeface="Times New Roman" panose="02020603050405020304" pitchFamily="18" charset="0"/>
+                <a:cs typeface="Times New Roman" panose="02020603050405020304" pitchFamily="18" charset="0"/>
+              </a:endParaRPr>
             </a:p>
           </p:txBody>
         </p:sp>
@@ -10677,7 +10977,10 @@
           <a:lstStyle/>
           <a:p>
             <a:pPr algn="ctr"/>
-            <a:endParaRPr kumimoji="1" lang="zh-CN" altLang="en-US"/>
+            <a:endParaRPr kumimoji="1" lang="zh-CN" altLang="en-US">
+              <a:latin typeface="Times New Roman" panose="02020603050405020304" pitchFamily="18" charset="0"/>
+              <a:cs typeface="Times New Roman" panose="02020603050405020304" pitchFamily="18" charset="0"/>
+            </a:endParaRPr>
           </a:p>
         </p:txBody>
       </p:sp>
@@ -10729,7 +11032,10 @@
           <a:lstStyle/>
           <a:p>
             <a:pPr algn="ctr"/>
-            <a:endParaRPr kumimoji="1" lang="zh-CN" altLang="en-US"/>
+            <a:endParaRPr kumimoji="1" lang="zh-CN" altLang="en-US">
+              <a:latin typeface="Times New Roman" panose="02020603050405020304" pitchFamily="18" charset="0"/>
+              <a:cs typeface="Times New Roman" panose="02020603050405020304" pitchFamily="18" charset="0"/>
+            </a:endParaRPr>
           </a:p>
         </p:txBody>
       </p:sp>
@@ -10781,7 +11087,10 @@
           <a:lstStyle/>
           <a:p>
             <a:pPr algn="ctr"/>
-            <a:endParaRPr kumimoji="1" lang="zh-CN" altLang="en-US"/>
+            <a:endParaRPr kumimoji="1" lang="zh-CN" altLang="en-US">
+              <a:latin typeface="Times New Roman" panose="02020603050405020304" pitchFamily="18" charset="0"/>
+              <a:cs typeface="Times New Roman" panose="02020603050405020304" pitchFamily="18" charset="0"/>
+            </a:endParaRPr>
           </a:p>
         </p:txBody>
       </p:sp>
@@ -10833,7 +11142,10 @@
           <a:lstStyle/>
           <a:p>
             <a:pPr algn="ctr"/>
-            <a:endParaRPr kumimoji="1" lang="zh-CN" altLang="en-US"/>
+            <a:endParaRPr kumimoji="1" lang="zh-CN" altLang="en-US">
+              <a:latin typeface="Times New Roman" panose="02020603050405020304" pitchFamily="18" charset="0"/>
+              <a:cs typeface="Times New Roman" panose="02020603050405020304" pitchFamily="18" charset="0"/>
+            </a:endParaRPr>
           </a:p>
         </p:txBody>
       </p:sp>
@@ -10885,7 +11197,10 @@
           <a:lstStyle/>
           <a:p>
             <a:pPr algn="ctr"/>
-            <a:endParaRPr kumimoji="1" lang="zh-CN" altLang="en-US"/>
+            <a:endParaRPr kumimoji="1" lang="zh-CN" altLang="en-US">
+              <a:latin typeface="Times New Roman" panose="02020603050405020304" pitchFamily="18" charset="0"/>
+              <a:cs typeface="Times New Roman" panose="02020603050405020304" pitchFamily="18" charset="0"/>
+            </a:endParaRPr>
           </a:p>
         </p:txBody>
       </p:sp>
@@ -10937,7 +11252,10 @@
           <a:lstStyle/>
           <a:p>
             <a:pPr algn="ctr"/>
-            <a:endParaRPr kumimoji="1" lang="zh-CN" altLang="en-US"/>
+            <a:endParaRPr kumimoji="1" lang="zh-CN" altLang="en-US">
+              <a:latin typeface="Times New Roman" panose="02020603050405020304" pitchFamily="18" charset="0"/>
+              <a:cs typeface="Times New Roman" panose="02020603050405020304" pitchFamily="18" charset="0"/>
+            </a:endParaRPr>
           </a:p>
         </p:txBody>
       </p:sp>
@@ -10989,7 +11307,10 @@
           <a:lstStyle/>
           <a:p>
             <a:pPr algn="ctr"/>
-            <a:endParaRPr kumimoji="1" lang="zh-CN" altLang="en-US"/>
+            <a:endParaRPr kumimoji="1" lang="zh-CN" altLang="en-US">
+              <a:latin typeface="Times New Roman" panose="02020603050405020304" pitchFamily="18" charset="0"/>
+              <a:cs typeface="Times New Roman" panose="02020603050405020304" pitchFamily="18" charset="0"/>
+            </a:endParaRPr>
           </a:p>
         </p:txBody>
       </p:sp>
@@ -11041,7 +11362,10 @@
           <a:lstStyle/>
           <a:p>
             <a:pPr algn="ctr"/>
-            <a:endParaRPr kumimoji="1" lang="zh-CN" altLang="en-US"/>
+            <a:endParaRPr kumimoji="1" lang="zh-CN" altLang="en-US">
+              <a:latin typeface="Times New Roman" panose="02020603050405020304" pitchFamily="18" charset="0"/>
+              <a:cs typeface="Times New Roman" panose="02020603050405020304" pitchFamily="18" charset="0"/>
+            </a:endParaRPr>
           </a:p>
         </p:txBody>
       </p:sp>
@@ -11097,6 +11421,8 @@
               <a:solidFill>
                 <a:sysClr val="windowText" lastClr="000000"/>
               </a:solidFill>
+              <a:latin typeface="Times New Roman" panose="02020603050405020304" pitchFamily="18" charset="0"/>
+              <a:cs typeface="Times New Roman" panose="02020603050405020304" pitchFamily="18" charset="0"/>
             </a:endParaRPr>
           </a:p>
         </p:txBody>
@@ -11153,6 +11479,8 @@
               <a:solidFill>
                 <a:sysClr val="windowText" lastClr="000000"/>
               </a:solidFill>
+              <a:latin typeface="Times New Roman" panose="02020603050405020304" pitchFamily="18" charset="0"/>
+              <a:cs typeface="Times New Roman" panose="02020603050405020304" pitchFamily="18" charset="0"/>
             </a:endParaRPr>
           </a:p>
         </p:txBody>
@@ -11209,6 +11537,8 @@
               <a:solidFill>
                 <a:sysClr val="windowText" lastClr="000000"/>
               </a:solidFill>
+              <a:latin typeface="Times New Roman" panose="02020603050405020304" pitchFamily="18" charset="0"/>
+              <a:cs typeface="Times New Roman" panose="02020603050405020304" pitchFamily="18" charset="0"/>
             </a:endParaRPr>
           </a:p>
         </p:txBody>
@@ -11265,6 +11595,8 @@
               <a:solidFill>
                 <a:sysClr val="windowText" lastClr="000000"/>
               </a:solidFill>
+              <a:latin typeface="Times New Roman" panose="02020603050405020304" pitchFamily="18" charset="0"/>
+              <a:cs typeface="Times New Roman" panose="02020603050405020304" pitchFamily="18" charset="0"/>
             </a:endParaRPr>
           </a:p>
         </p:txBody>
@@ -11321,6 +11653,8 @@
               <a:solidFill>
                 <a:sysClr val="windowText" lastClr="000000"/>
               </a:solidFill>
+              <a:latin typeface="Times New Roman" panose="02020603050405020304" pitchFamily="18" charset="0"/>
+              <a:cs typeface="Times New Roman" panose="02020603050405020304" pitchFamily="18" charset="0"/>
             </a:endParaRPr>
           </a:p>
         </p:txBody>
@@ -11377,6 +11711,8 @@
               <a:solidFill>
                 <a:sysClr val="windowText" lastClr="000000"/>
               </a:solidFill>
+              <a:latin typeface="Times New Roman" panose="02020603050405020304" pitchFamily="18" charset="0"/>
+              <a:cs typeface="Times New Roman" panose="02020603050405020304" pitchFamily="18" charset="0"/>
             </a:endParaRPr>
           </a:p>
         </p:txBody>
@@ -11433,6 +11769,8 @@
               <a:solidFill>
                 <a:sysClr val="windowText" lastClr="000000"/>
               </a:solidFill>
+              <a:latin typeface="Times New Roman" panose="02020603050405020304" pitchFamily="18" charset="0"/>
+              <a:cs typeface="Times New Roman" panose="02020603050405020304" pitchFamily="18" charset="0"/>
             </a:endParaRPr>
           </a:p>
         </p:txBody>
@@ -11489,6 +11827,8 @@
               <a:solidFill>
                 <a:sysClr val="windowText" lastClr="000000"/>
               </a:solidFill>
+              <a:latin typeface="Times New Roman" panose="02020603050405020304" pitchFamily="18" charset="0"/>
+              <a:cs typeface="Times New Roman" panose="02020603050405020304" pitchFamily="18" charset="0"/>
             </a:endParaRPr>
           </a:p>
         </p:txBody>
@@ -11545,6 +11885,8 @@
               <a:solidFill>
                 <a:sysClr val="windowText" lastClr="000000"/>
               </a:solidFill>
+              <a:latin typeface="Times New Roman" panose="02020603050405020304" pitchFamily="18" charset="0"/>
+              <a:cs typeface="Times New Roman" panose="02020603050405020304" pitchFamily="18" charset="0"/>
             </a:endParaRPr>
           </a:p>
         </p:txBody>
@@ -11601,6 +11943,8 @@
               <a:solidFill>
                 <a:sysClr val="windowText" lastClr="000000"/>
               </a:solidFill>
+              <a:latin typeface="Times New Roman" panose="02020603050405020304" pitchFamily="18" charset="0"/>
+              <a:cs typeface="Times New Roman" panose="02020603050405020304" pitchFamily="18" charset="0"/>
             </a:endParaRPr>
           </a:p>
         </p:txBody>
@@ -11657,6 +12001,8 @@
               <a:solidFill>
                 <a:srgbClr val="834026"/>
               </a:solidFill>
+              <a:latin typeface="Times New Roman" panose="02020603050405020304" pitchFamily="18" charset="0"/>
+              <a:cs typeface="Times New Roman" panose="02020603050405020304" pitchFamily="18" charset="0"/>
             </a:endParaRPr>
           </a:p>
         </p:txBody>
@@ -11713,6 +12059,8 @@
               <a:solidFill>
                 <a:srgbClr val="834026"/>
               </a:solidFill>
+              <a:latin typeface="Times New Roman" panose="02020603050405020304" pitchFamily="18" charset="0"/>
+              <a:cs typeface="Times New Roman" panose="02020603050405020304" pitchFamily="18" charset="0"/>
             </a:endParaRPr>
           </a:p>
         </p:txBody>
@@ -11769,6 +12117,8 @@
               <a:solidFill>
                 <a:srgbClr val="834026"/>
               </a:solidFill>
+              <a:latin typeface="Times New Roman" panose="02020603050405020304" pitchFamily="18" charset="0"/>
+              <a:cs typeface="Times New Roman" panose="02020603050405020304" pitchFamily="18" charset="0"/>
             </a:endParaRPr>
           </a:p>
         </p:txBody>
@@ -11825,6 +12175,8 @@
               <a:solidFill>
                 <a:srgbClr val="834026"/>
               </a:solidFill>
+              <a:latin typeface="Times New Roman" panose="02020603050405020304" pitchFamily="18" charset="0"/>
+              <a:cs typeface="Times New Roman" panose="02020603050405020304" pitchFamily="18" charset="0"/>
             </a:endParaRPr>
           </a:p>
         </p:txBody>
@@ -11886,7 +12238,10 @@
           <a:lstStyle/>
           <a:p>
             <a:pPr algn="ctr"/>
-            <a:endParaRPr kumimoji="1" lang="zh-CN" altLang="en-US"/>
+            <a:endParaRPr kumimoji="1" lang="zh-CN" altLang="en-US">
+              <a:latin typeface="Times New Roman" panose="02020603050405020304" pitchFamily="18" charset="0"/>
+              <a:cs typeface="Times New Roman" panose="02020603050405020304" pitchFamily="18" charset="0"/>
+            </a:endParaRPr>
           </a:p>
         </p:txBody>
       </p:sp>
@@ -11947,7 +12302,10 @@
           <a:lstStyle/>
           <a:p>
             <a:pPr algn="ctr"/>
-            <a:endParaRPr kumimoji="1" lang="zh-CN" altLang="en-US"/>
+            <a:endParaRPr kumimoji="1" lang="zh-CN" altLang="en-US">
+              <a:latin typeface="Times New Roman" panose="02020603050405020304" pitchFamily="18" charset="0"/>
+              <a:cs typeface="Times New Roman" panose="02020603050405020304" pitchFamily="18" charset="0"/>
+            </a:endParaRPr>
           </a:p>
         </p:txBody>
       </p:sp>
@@ -11965,7 +12323,7 @@
         </p:nvGrpSpPr>
         <p:grpSpPr>
           <a:xfrm>
-            <a:off x="143020" y="2594876"/>
+            <a:off x="192746" y="4600380"/>
             <a:ext cx="1928716" cy="1824747"/>
             <a:chOff x="467071" y="2886352"/>
             <a:chExt cx="1617333" cy="1549276"/>
@@ -12014,12 +12372,15 @@
             <a:lstStyle/>
             <a:p>
               <a:pPr algn="ctr"/>
-              <a:endParaRPr kumimoji="1" lang="zh-CN" altLang="en-US" dirty="0"/>
+              <a:endParaRPr kumimoji="1" lang="zh-CN" altLang="en-US" dirty="0">
+                <a:latin typeface="Times New Roman" panose="02020603050405020304" pitchFamily="18" charset="0"/>
+                <a:cs typeface="Times New Roman" panose="02020603050405020304" pitchFamily="18" charset="0"/>
+              </a:endParaRPr>
             </a:p>
           </p:txBody>
         </p:sp>
-        <mc:AlternateContent xmlns:mc="http://schemas.openxmlformats.org/markup-compatibility/2006" xmlns:a14="http://schemas.microsoft.com/office/drawing/2010/main">
-          <mc:Choice Requires="a14">
+        <mc:AlternateContent xmlns:mc="http://schemas.openxmlformats.org/markup-compatibility/2006">
+          <mc:Choice xmlns:a14="http://schemas.microsoft.com/office/drawing/2010/main" Requires="a14">
             <p:sp>
               <p:nvSpPr>
                 <p:cNvPr id="342" name="文本框 341">
@@ -12035,7 +12396,7 @@
               <p:spPr>
                 <a:xfrm>
                   <a:off x="539242" y="2886352"/>
-                  <a:ext cx="1529507" cy="430253"/>
+                  <a:ext cx="1529507" cy="285758"/>
                 </a:xfrm>
                 <a:prstGeom prst="rect">
                   <a:avLst/>
@@ -12074,13 +12435,13 @@
                         </m:e>
                         <m:sup>
                           <m:r>
-                            <a:rPr lang="en-US" altLang="zh-CN" sz="1800" i="1">
+                            <a:rPr lang="en-US" altLang="zh-CN" sz="1800" b="0" i="1" smtClean="0">
                               <a:effectLst/>
                               <a:latin typeface="Cambria Math" panose="02040503050406030204" pitchFamily="18" charset="0"/>
                               <a:ea typeface="宋体" panose="02010600030101010101" pitchFamily="2" charset="-122"/>
                               <a:cs typeface="Times New Roman" panose="02020603050405020304" pitchFamily="18" charset="0"/>
                             </a:rPr>
-                            <m:t>𝑠𝑡𝑖𝑚</m:t>
+                            <m:t>𝑝𝑒𝑟𝑏</m:t>
                           </m:r>
                         </m:sup>
                       </m:sSup>
@@ -12089,15 +12450,20 @@
                   <a:r>
                     <a:rPr lang="zh-CN" altLang="zh-CN" sz="1400" dirty="0">
                       <a:effectLst/>
+                      <a:latin typeface="Times New Roman" panose="02020603050405020304" pitchFamily="18" charset="0"/>
+                      <a:cs typeface="Times New Roman" panose="02020603050405020304" pitchFamily="18" charset="0"/>
                     </a:rPr>
                     <a:t> </a:t>
                   </a:r>
-                  <a:endParaRPr kumimoji="1" lang="zh-CN" altLang="en-US" sz="1400" dirty="0"/>
+                  <a:endParaRPr kumimoji="1" lang="zh-CN" altLang="en-US" sz="1400" dirty="0">
+                    <a:latin typeface="Times New Roman" panose="02020603050405020304" pitchFamily="18" charset="0"/>
+                    <a:cs typeface="Times New Roman" panose="02020603050405020304" pitchFamily="18" charset="0"/>
+                  </a:endParaRPr>
                 </a:p>
               </p:txBody>
             </p:sp>
           </mc:Choice>
-          <mc:Fallback xmlns="">
+          <mc:Fallback>
             <p:sp>
               <p:nvSpPr>
                 <p:cNvPr id="342" name="文本框 341">
@@ -12115,13 +12481,13 @@
               <p:spPr>
                 <a:xfrm>
                   <a:off x="539242" y="2886352"/>
-                  <a:ext cx="1529507" cy="430253"/>
+                  <a:ext cx="1529507" cy="285758"/>
                 </a:xfrm>
                 <a:prstGeom prst="rect">
                   <a:avLst/>
                 </a:prstGeom>
                 <a:blipFill>
-                  <a:blip r:embed="rId18"/>
+                  <a:blip r:embed="rId19"/>
                   <a:stretch>
                     <a:fillRect/>
                   </a:stretch>
@@ -12165,7 +12531,7 @@
               <a:avLst/>
             </a:prstGeom>
             <a:blipFill>
-              <a:blip r:embed="rId11"/>
+              <a:blip r:embed="rId12"/>
               <a:stretch>
                 <a:fillRect l="5564" t="5564" r="5564" b="5564"/>
               </a:stretch>
@@ -12195,7 +12561,10 @@
             <a:lstStyle/>
             <a:p>
               <a:pPr algn="ctr"/>
-              <a:endParaRPr kumimoji="1" lang="zh-CN" altLang="en-US"/>
+              <a:endParaRPr kumimoji="1" lang="zh-CN" altLang="en-US">
+                <a:latin typeface="Times New Roman" panose="02020603050405020304" pitchFamily="18" charset="0"/>
+                <a:cs typeface="Times New Roman" panose="02020603050405020304" pitchFamily="18" charset="0"/>
+              </a:endParaRPr>
             </a:p>
           </p:txBody>
         </p:sp>
@@ -12222,7 +12591,7 @@
               <a:avLst/>
             </a:prstGeom>
             <a:blipFill dpi="0" rotWithShape="1">
-              <a:blip r:embed="rId12"/>
+              <a:blip r:embed="rId13"/>
               <a:srcRect/>
               <a:stretch>
                 <a:fillRect l="5564" t="-4000" r="5564" b="3000"/>
@@ -12253,7 +12622,10 @@
             <a:lstStyle/>
             <a:p>
               <a:pPr algn="ctr"/>
-              <a:endParaRPr kumimoji="1" lang="zh-CN" altLang="en-US"/>
+              <a:endParaRPr kumimoji="1" lang="zh-CN" altLang="en-US">
+                <a:latin typeface="Times New Roman" panose="02020603050405020304" pitchFamily="18" charset="0"/>
+                <a:cs typeface="Times New Roman" panose="02020603050405020304" pitchFamily="18" charset="0"/>
+              </a:endParaRPr>
             </a:p>
           </p:txBody>
         </p:sp>
@@ -12280,7 +12652,7 @@
               <a:avLst/>
             </a:prstGeom>
             <a:blipFill>
-              <a:blip r:embed="rId13"/>
+              <a:blip r:embed="rId14"/>
               <a:stretch>
                 <a:fillRect l="8993" t="8433" r="8993" b="8433"/>
               </a:stretch>
@@ -12310,7 +12682,10 @@
             <a:lstStyle/>
             <a:p>
               <a:pPr algn="ctr"/>
-              <a:endParaRPr kumimoji="1" lang="zh-CN" altLang="en-US"/>
+              <a:endParaRPr kumimoji="1" lang="zh-CN" altLang="en-US">
+                <a:latin typeface="Times New Roman" panose="02020603050405020304" pitchFamily="18" charset="0"/>
+                <a:cs typeface="Times New Roman" panose="02020603050405020304" pitchFamily="18" charset="0"/>
+              </a:endParaRPr>
             </a:p>
           </p:txBody>
         </p:sp>
@@ -12330,7 +12705,7 @@
           <p:nvPr/>
         </p:nvPicPr>
         <p:blipFill>
-          <a:blip r:embed="rId19"/>
+          <a:blip r:embed="rId20"/>
           <a:stretch>
             <a:fillRect/>
           </a:stretch>
@@ -12362,9 +12737,9 @@
         <p:grpSpPr>
           <a:xfrm flipH="1">
             <a:off x="6311971" y="1899718"/>
-            <a:ext cx="1362195" cy="1620000"/>
-            <a:chOff x="1152432" y="1039906"/>
-            <a:chExt cx="1841781" cy="2238935"/>
+            <a:ext cx="1332726" cy="1620000"/>
+            <a:chOff x="1192276" y="1039906"/>
+            <a:chExt cx="1801937" cy="2238935"/>
           </a:xfrm>
         </p:grpSpPr>
         <p:grpSp>
@@ -12433,7 +12808,10 @@
               <a:lstStyle/>
               <a:p>
                 <a:pPr algn="ctr"/>
-                <a:endParaRPr kumimoji="1" lang="zh-CN" altLang="en-US"/>
+                <a:endParaRPr kumimoji="1" lang="zh-CN" altLang="en-US">
+                  <a:latin typeface="Times New Roman" panose="02020603050405020304" pitchFamily="18" charset="0"/>
+                  <a:cs typeface="Times New Roman" panose="02020603050405020304" pitchFamily="18" charset="0"/>
+                </a:endParaRPr>
               </a:p>
             </p:txBody>
           </p:sp>
@@ -12480,7 +12858,10 @@
               <a:lstStyle/>
               <a:p>
                 <a:pPr algn="ctr"/>
-                <a:endParaRPr kumimoji="1" lang="zh-CN" altLang="en-US"/>
+                <a:endParaRPr kumimoji="1" lang="zh-CN" altLang="en-US">
+                  <a:latin typeface="Times New Roman" panose="02020603050405020304" pitchFamily="18" charset="0"/>
+                  <a:cs typeface="Times New Roman" panose="02020603050405020304" pitchFamily="18" charset="0"/>
+                </a:endParaRPr>
               </a:p>
             </p:txBody>
           </p:sp>
@@ -12527,7 +12908,10 @@
               <a:lstStyle/>
               <a:p>
                 <a:pPr algn="ctr"/>
-                <a:endParaRPr kumimoji="1" lang="zh-CN" altLang="en-US"/>
+                <a:endParaRPr kumimoji="1" lang="zh-CN" altLang="en-US">
+                  <a:latin typeface="Times New Roman" panose="02020603050405020304" pitchFamily="18" charset="0"/>
+                  <a:cs typeface="Times New Roman" panose="02020603050405020304" pitchFamily="18" charset="0"/>
+                </a:endParaRPr>
               </a:p>
             </p:txBody>
           </p:sp>
@@ -12574,7 +12958,10 @@
               <a:lstStyle/>
               <a:p>
                 <a:pPr algn="ctr"/>
-                <a:endParaRPr kumimoji="1" lang="zh-CN" altLang="en-US"/>
+                <a:endParaRPr kumimoji="1" lang="zh-CN" altLang="en-US">
+                  <a:latin typeface="Times New Roman" panose="02020603050405020304" pitchFamily="18" charset="0"/>
+                  <a:cs typeface="Times New Roman" panose="02020603050405020304" pitchFamily="18" charset="0"/>
+                </a:endParaRPr>
               </a:p>
             </p:txBody>
           </p:sp>
@@ -12621,7 +13008,10 @@
               <a:lstStyle/>
               <a:p>
                 <a:pPr algn="ctr"/>
-                <a:endParaRPr kumimoji="1" lang="zh-CN" altLang="en-US"/>
+                <a:endParaRPr kumimoji="1" lang="zh-CN" altLang="en-US">
+                  <a:latin typeface="Times New Roman" panose="02020603050405020304" pitchFamily="18" charset="0"/>
+                  <a:cs typeface="Times New Roman" panose="02020603050405020304" pitchFamily="18" charset="0"/>
+                </a:endParaRPr>
               </a:p>
             </p:txBody>
           </p:sp>
@@ -12692,7 +13082,10 @@
               <a:lstStyle/>
               <a:p>
                 <a:pPr algn="ctr"/>
-                <a:endParaRPr kumimoji="1" lang="zh-CN" altLang="en-US"/>
+                <a:endParaRPr kumimoji="1" lang="zh-CN" altLang="en-US">
+                  <a:latin typeface="Times New Roman" panose="02020603050405020304" pitchFamily="18" charset="0"/>
+                  <a:cs typeface="Times New Roman" panose="02020603050405020304" pitchFamily="18" charset="0"/>
+                </a:endParaRPr>
               </a:p>
             </p:txBody>
           </p:sp>
@@ -12739,7 +13132,10 @@
               <a:lstStyle/>
               <a:p>
                 <a:pPr algn="ctr"/>
-                <a:endParaRPr kumimoji="1" lang="zh-CN" altLang="en-US"/>
+                <a:endParaRPr kumimoji="1" lang="zh-CN" altLang="en-US">
+                  <a:latin typeface="Times New Roman" panose="02020603050405020304" pitchFamily="18" charset="0"/>
+                  <a:cs typeface="Times New Roman" panose="02020603050405020304" pitchFamily="18" charset="0"/>
+                </a:endParaRPr>
               </a:p>
             </p:txBody>
           </p:sp>
@@ -12786,7 +13182,10 @@
               <a:lstStyle/>
               <a:p>
                 <a:pPr algn="ctr"/>
-                <a:endParaRPr kumimoji="1" lang="zh-CN" altLang="en-US"/>
+                <a:endParaRPr kumimoji="1" lang="zh-CN" altLang="en-US">
+                  <a:latin typeface="Times New Roman" panose="02020603050405020304" pitchFamily="18" charset="0"/>
+                  <a:cs typeface="Times New Roman" panose="02020603050405020304" pitchFamily="18" charset="0"/>
+                </a:endParaRPr>
               </a:p>
             </p:txBody>
           </p:sp>
@@ -12833,7 +13232,10 @@
               <a:lstStyle/>
               <a:p>
                 <a:pPr algn="ctr"/>
-                <a:endParaRPr kumimoji="1" lang="zh-CN" altLang="en-US"/>
+                <a:endParaRPr kumimoji="1" lang="zh-CN" altLang="en-US">
+                  <a:latin typeface="Times New Roman" panose="02020603050405020304" pitchFamily="18" charset="0"/>
+                  <a:cs typeface="Times New Roman" panose="02020603050405020304" pitchFamily="18" charset="0"/>
+                </a:endParaRPr>
               </a:p>
             </p:txBody>
           </p:sp>
@@ -13776,8 +14178,8 @@
           </p:nvSpPr>
           <p:spPr>
             <a:xfrm>
-              <a:off x="1152432" y="2565388"/>
-              <a:ext cx="573872" cy="611562"/>
+              <a:off x="1192276" y="2385159"/>
+              <a:ext cx="561782" cy="510438"/>
             </a:xfrm>
             <a:prstGeom prst="rect">
               <a:avLst/>
@@ -13792,10 +14194,16 @@
             <a:p>
               <a:pPr algn="ctr"/>
               <a:r>
-                <a:rPr kumimoji="1" lang="en-US" altLang="zh-CN" dirty="0"/>
+                <a:rPr kumimoji="1" lang="en-US" altLang="zh-CN" dirty="0">
+                  <a:latin typeface="Times New Roman" panose="02020603050405020304" pitchFamily="18" charset="0"/>
+                  <a:cs typeface="Times New Roman" panose="02020603050405020304" pitchFamily="18" charset="0"/>
+                </a:rPr>
                 <a:t>…</a:t>
               </a:r>
-              <a:endParaRPr kumimoji="1" lang="zh-CN" altLang="en-US" dirty="0"/>
+              <a:endParaRPr kumimoji="1" lang="zh-CN" altLang="en-US" dirty="0">
+                <a:latin typeface="Times New Roman" panose="02020603050405020304" pitchFamily="18" charset="0"/>
+                <a:cs typeface="Times New Roman" panose="02020603050405020304" pitchFamily="18" charset="0"/>
+              </a:endParaRPr>
             </a:p>
           </p:txBody>
         </p:sp>
@@ -13813,8 +14221,8 @@
           </p:nvSpPr>
           <p:spPr>
             <a:xfrm>
-              <a:off x="2671483" y="2314358"/>
-              <a:ext cx="322729" cy="611562"/>
+              <a:off x="2661011" y="2200832"/>
+              <a:ext cx="322729" cy="510438"/>
             </a:xfrm>
             <a:prstGeom prst="rect">
               <a:avLst/>
@@ -13829,10 +14237,16 @@
             <a:p>
               <a:pPr algn="ctr"/>
               <a:r>
-                <a:rPr kumimoji="1" lang="en-US" altLang="zh-CN" dirty="0"/>
+                <a:rPr kumimoji="1" lang="en-US" altLang="zh-CN" dirty="0">
+                  <a:latin typeface="Times New Roman" panose="02020603050405020304" pitchFamily="18" charset="0"/>
+                  <a:cs typeface="Times New Roman" panose="02020603050405020304" pitchFamily="18" charset="0"/>
+                </a:rPr>
                 <a:t>…</a:t>
               </a:r>
-              <a:endParaRPr kumimoji="1" lang="zh-CN" altLang="en-US" dirty="0"/>
+              <a:endParaRPr kumimoji="1" lang="zh-CN" altLang="en-US" dirty="0">
+                <a:latin typeface="Times New Roman" panose="02020603050405020304" pitchFamily="18" charset="0"/>
+                <a:cs typeface="Times New Roman" panose="02020603050405020304" pitchFamily="18" charset="0"/>
+              </a:endParaRPr>
             </a:p>
           </p:txBody>
         </p:sp>
@@ -13900,12 +14314,15 @@
             <a:lstStyle/>
             <a:p>
               <a:pPr algn="ctr"/>
-              <a:endParaRPr kumimoji="1" lang="zh-CN" altLang="en-US" dirty="0"/>
+              <a:endParaRPr kumimoji="1" lang="zh-CN" altLang="en-US" dirty="0">
+                <a:latin typeface="Times New Roman" panose="02020603050405020304" pitchFamily="18" charset="0"/>
+                <a:cs typeface="Times New Roman" panose="02020603050405020304" pitchFamily="18" charset="0"/>
+              </a:endParaRPr>
             </a:p>
           </p:txBody>
         </p:sp>
-        <mc:AlternateContent xmlns:mc="http://schemas.openxmlformats.org/markup-compatibility/2006" xmlns:a14="http://schemas.microsoft.com/office/drawing/2010/main">
-          <mc:Choice Requires="a14">
+        <mc:AlternateContent xmlns:mc="http://schemas.openxmlformats.org/markup-compatibility/2006">
+          <mc:Choice xmlns:a14="http://schemas.microsoft.com/office/drawing/2010/main" Requires="a14">
             <p:sp>
               <p:nvSpPr>
                 <p:cNvPr id="392" name="文本框 391">
@@ -13921,7 +14338,7 @@
               <p:spPr>
                 <a:xfrm>
                   <a:off x="539242" y="2886352"/>
-                  <a:ext cx="1529507" cy="430253"/>
+                  <a:ext cx="1529507" cy="266268"/>
                 </a:xfrm>
                 <a:prstGeom prst="rect">
                   <a:avLst/>
@@ -13940,33 +14357,41 @@
                       <m:sSup>
                         <m:sSupPr>
                           <m:ctrlPr>
-                            <a:rPr lang="zh-CN" altLang="zh-CN" sz="1400" i="1" smtClean="0">
+                            <a:rPr lang="en-US" altLang="zh-CN" sz="1400" b="0" i="1" dirty="0" smtClean="0">
                               <a:effectLst/>
                               <a:latin typeface="Cambria Math" panose="02040503050406030204" pitchFamily="18" charset="0"/>
-                              <a:ea typeface="Cambria Math" panose="02040503050406030204" pitchFamily="18" charset="0"/>
                             </a:rPr>
                           </m:ctrlPr>
                         </m:sSupPr>
                         <m:e>
-                          <m:r>
-                            <a:rPr lang="en-US" altLang="zh-CN" sz="1800" i="1">
-                              <a:effectLst/>
-                              <a:latin typeface="Cambria Math" panose="02040503050406030204" pitchFamily="18" charset="0"/>
-                              <a:ea typeface="宋体" panose="02010600030101010101" pitchFamily="2" charset="-122"/>
-                              <a:cs typeface="Times New Roman" panose="02020603050405020304" pitchFamily="18" charset="0"/>
-                            </a:rPr>
-                            <m:t>𝑋</m:t>
-                          </m:r>
+                          <m:acc>
+                            <m:accPr>
+                              <m:chr m:val="̂"/>
+                              <m:ctrlPr>
+                                <a:rPr lang="en-US" altLang="zh-CN" sz="1400" i="1" dirty="0" smtClean="0">
+                                  <a:effectLst/>
+                                  <a:latin typeface="Cambria Math" panose="02040503050406030204" pitchFamily="18" charset="0"/>
+                                </a:rPr>
+                              </m:ctrlPr>
+                            </m:accPr>
+                            <m:e>
+                              <m:r>
+                                <a:rPr lang="en-US" altLang="zh-CN" sz="1400" b="0" i="1" dirty="0" smtClean="0">
+                                  <a:effectLst/>
+                                  <a:latin typeface="Cambria Math" panose="02040503050406030204" pitchFamily="18" charset="0"/>
+                                </a:rPr>
+                                <m:t>𝑋</m:t>
+                              </m:r>
+                            </m:e>
+                          </m:acc>
                         </m:e>
                         <m:sup>
                           <m:r>
-                            <a:rPr lang="en-US" altLang="zh-CN" sz="1800" i="1">
+                            <a:rPr lang="en-US" altLang="zh-CN" sz="1400" b="0" i="1" dirty="0" smtClean="0">
                               <a:effectLst/>
                               <a:latin typeface="Cambria Math" panose="02040503050406030204" pitchFamily="18" charset="0"/>
-                              <a:ea typeface="宋体" panose="02010600030101010101" pitchFamily="2" charset="-122"/>
-                              <a:cs typeface="Times New Roman" panose="02020603050405020304" pitchFamily="18" charset="0"/>
                             </a:rPr>
-                            <m:t>𝑠𝑡𝑖𝑚</m:t>
+                            <m:t>𝑝𝑒𝑟𝑏</m:t>
                           </m:r>
                         </m:sup>
                       </m:sSup>
@@ -13975,15 +14400,20 @@
                   <a:r>
                     <a:rPr lang="zh-CN" altLang="zh-CN" sz="1400" dirty="0">
                       <a:effectLst/>
+                      <a:latin typeface="Times New Roman" panose="02020603050405020304" pitchFamily="18" charset="0"/>
+                      <a:cs typeface="Times New Roman" panose="02020603050405020304" pitchFamily="18" charset="0"/>
                     </a:rPr>
                     <a:t> </a:t>
                   </a:r>
-                  <a:endParaRPr kumimoji="1" lang="zh-CN" altLang="en-US" sz="1400" dirty="0"/>
+                  <a:endParaRPr kumimoji="1" lang="zh-CN" altLang="en-US" sz="1400" dirty="0">
+                    <a:latin typeface="Times New Roman" panose="02020603050405020304" pitchFamily="18" charset="0"/>
+                    <a:cs typeface="Times New Roman" panose="02020603050405020304" pitchFamily="18" charset="0"/>
+                  </a:endParaRPr>
                 </a:p>
               </p:txBody>
             </p:sp>
           </mc:Choice>
-          <mc:Fallback xmlns="">
+          <mc:Fallback>
             <p:sp>
               <p:nvSpPr>
                 <p:cNvPr id="392" name="文本框 391">
@@ -14001,13 +14431,13 @@
               <p:spPr>
                 <a:xfrm>
                   <a:off x="539242" y="2886352"/>
-                  <a:ext cx="1529507" cy="430253"/>
+                  <a:ext cx="1529507" cy="266268"/>
                 </a:xfrm>
                 <a:prstGeom prst="rect">
                   <a:avLst/>
                 </a:prstGeom>
                 <a:blipFill>
-                  <a:blip r:embed="rId20"/>
+                  <a:blip r:embed="rId21"/>
                   <a:stretch>
                     <a:fillRect/>
                   </a:stretch>
@@ -14051,7 +14481,7 @@
               <a:avLst/>
             </a:prstGeom>
             <a:blipFill dpi="0" rotWithShape="1">
-              <a:blip r:embed="rId11">
+              <a:blip r:embed="rId12">
                 <a:alphaModFix amt="80000"/>
               </a:blip>
               <a:srcRect/>
@@ -14084,7 +14514,10 @@
             <a:lstStyle/>
             <a:p>
               <a:pPr algn="ctr"/>
-              <a:endParaRPr kumimoji="1" lang="zh-CN" altLang="en-US"/>
+              <a:endParaRPr kumimoji="1" lang="zh-CN" altLang="en-US">
+                <a:latin typeface="Times New Roman" panose="02020603050405020304" pitchFamily="18" charset="0"/>
+                <a:cs typeface="Times New Roman" panose="02020603050405020304" pitchFamily="18" charset="0"/>
+              </a:endParaRPr>
             </a:p>
           </p:txBody>
         </p:sp>
@@ -14111,7 +14544,7 @@
               <a:avLst/>
             </a:prstGeom>
             <a:blipFill dpi="0" rotWithShape="1">
-              <a:blip r:embed="rId12">
+              <a:blip r:embed="rId13">
                 <a:alphaModFix amt="80000"/>
               </a:blip>
               <a:srcRect/>
@@ -14144,7 +14577,10 @@
             <a:lstStyle/>
             <a:p>
               <a:pPr algn="ctr"/>
-              <a:endParaRPr kumimoji="1" lang="zh-CN" altLang="en-US"/>
+              <a:endParaRPr kumimoji="1" lang="zh-CN" altLang="en-US">
+                <a:latin typeface="Times New Roman" panose="02020603050405020304" pitchFamily="18" charset="0"/>
+                <a:cs typeface="Times New Roman" panose="02020603050405020304" pitchFamily="18" charset="0"/>
+              </a:endParaRPr>
             </a:p>
           </p:txBody>
         </p:sp>
@@ -14171,7 +14607,7 @@
               <a:avLst/>
             </a:prstGeom>
             <a:blipFill dpi="0" rotWithShape="1">
-              <a:blip r:embed="rId13">
+              <a:blip r:embed="rId14">
                 <a:alphaModFix amt="80000"/>
               </a:blip>
               <a:srcRect/>
@@ -14204,7 +14640,10 @@
             <a:lstStyle/>
             <a:p>
               <a:pPr algn="ctr"/>
-              <a:endParaRPr kumimoji="1" lang="zh-CN" altLang="en-US"/>
+              <a:endParaRPr kumimoji="1" lang="zh-CN" altLang="en-US">
+                <a:latin typeface="Times New Roman" panose="02020603050405020304" pitchFamily="18" charset="0"/>
+                <a:cs typeface="Times New Roman" panose="02020603050405020304" pitchFamily="18" charset="0"/>
+              </a:endParaRPr>
             </a:p>
           </p:txBody>
         </p:sp>
@@ -14309,7 +14748,10 @@
           <a:lstStyle/>
           <a:p>
             <a:pPr algn="ctr"/>
-            <a:endParaRPr kumimoji="1" lang="zh-CN" altLang="en-US"/>
+            <a:endParaRPr kumimoji="1" lang="zh-CN" altLang="en-US">
+              <a:latin typeface="Times New Roman" panose="02020603050405020304" pitchFamily="18" charset="0"/>
+              <a:cs typeface="Times New Roman" panose="02020603050405020304" pitchFamily="18" charset="0"/>
+            </a:endParaRPr>
           </a:p>
         </p:txBody>
       </p:sp>
@@ -14365,6 +14807,8 @@
               <a:solidFill>
                 <a:srgbClr val="834026"/>
               </a:solidFill>
+              <a:latin typeface="Times New Roman" panose="02020603050405020304" pitchFamily="18" charset="0"/>
+              <a:cs typeface="Times New Roman" panose="02020603050405020304" pitchFamily="18" charset="0"/>
             </a:endParaRPr>
           </a:p>
         </p:txBody>
@@ -14421,6 +14865,8 @@
               <a:solidFill>
                 <a:srgbClr val="834026"/>
               </a:solidFill>
+              <a:latin typeface="Times New Roman" panose="02020603050405020304" pitchFamily="18" charset="0"/>
+              <a:cs typeface="Times New Roman" panose="02020603050405020304" pitchFamily="18" charset="0"/>
             </a:endParaRPr>
           </a:p>
         </p:txBody>
@@ -14477,6 +14923,8 @@
               <a:solidFill>
                 <a:srgbClr val="834026"/>
               </a:solidFill>
+              <a:latin typeface="Times New Roman" panose="02020603050405020304" pitchFamily="18" charset="0"/>
+              <a:cs typeface="Times New Roman" panose="02020603050405020304" pitchFamily="18" charset="0"/>
             </a:endParaRPr>
           </a:p>
         </p:txBody>
@@ -14533,6 +14981,8 @@
               <a:solidFill>
                 <a:srgbClr val="834026"/>
               </a:solidFill>
+              <a:latin typeface="Times New Roman" panose="02020603050405020304" pitchFamily="18" charset="0"/>
+              <a:cs typeface="Times New Roman" panose="02020603050405020304" pitchFamily="18" charset="0"/>
             </a:endParaRPr>
           </a:p>
         </p:txBody>
@@ -14589,6 +15039,8 @@
               <a:solidFill>
                 <a:srgbClr val="834026"/>
               </a:solidFill>
+              <a:latin typeface="Times New Roman" panose="02020603050405020304" pitchFamily="18" charset="0"/>
+              <a:cs typeface="Times New Roman" panose="02020603050405020304" pitchFamily="18" charset="0"/>
             </a:endParaRPr>
           </a:p>
         </p:txBody>
@@ -14641,7 +15093,10 @@
           <a:lstStyle/>
           <a:p>
             <a:pPr algn="ctr"/>
-            <a:endParaRPr kumimoji="1" lang="zh-CN" altLang="en-US"/>
+            <a:endParaRPr kumimoji="1" lang="zh-CN" altLang="en-US">
+              <a:latin typeface="Times New Roman" panose="02020603050405020304" pitchFamily="18" charset="0"/>
+              <a:cs typeface="Times New Roman" panose="02020603050405020304" pitchFamily="18" charset="0"/>
+            </a:endParaRPr>
           </a:p>
         </p:txBody>
       </p:sp>
@@ -14693,7 +15148,10 @@
           <a:lstStyle/>
           <a:p>
             <a:pPr algn="ctr"/>
-            <a:endParaRPr kumimoji="1" lang="zh-CN" altLang="en-US"/>
+            <a:endParaRPr kumimoji="1" lang="zh-CN" altLang="en-US">
+              <a:latin typeface="Times New Roman" panose="02020603050405020304" pitchFamily="18" charset="0"/>
+              <a:cs typeface="Times New Roman" panose="02020603050405020304" pitchFamily="18" charset="0"/>
+            </a:endParaRPr>
           </a:p>
         </p:txBody>
       </p:sp>
@@ -14745,7 +15203,10 @@
           <a:lstStyle/>
           <a:p>
             <a:pPr algn="ctr"/>
-            <a:endParaRPr kumimoji="1" lang="zh-CN" altLang="en-US"/>
+            <a:endParaRPr kumimoji="1" lang="zh-CN" altLang="en-US">
+              <a:latin typeface="Times New Roman" panose="02020603050405020304" pitchFamily="18" charset="0"/>
+              <a:cs typeface="Times New Roman" panose="02020603050405020304" pitchFamily="18" charset="0"/>
+            </a:endParaRPr>
           </a:p>
         </p:txBody>
       </p:sp>
@@ -14797,7 +15258,10 @@
           <a:lstStyle/>
           <a:p>
             <a:pPr algn="ctr"/>
-            <a:endParaRPr kumimoji="1" lang="zh-CN" altLang="en-US"/>
+            <a:endParaRPr kumimoji="1" lang="zh-CN" altLang="en-US">
+              <a:latin typeface="Times New Roman" panose="02020603050405020304" pitchFamily="18" charset="0"/>
+              <a:cs typeface="Times New Roman" panose="02020603050405020304" pitchFamily="18" charset="0"/>
+            </a:endParaRPr>
           </a:p>
         </p:txBody>
       </p:sp>
